--- a/lab_lectures/lab1/Lab1_UNIX_Clusters_&_Reproducibility.pptx
+++ b/lab_lectures/lab1/Lab1_UNIX_Clusters_&_Reproducibility.pptx
@@ -5,7 +5,7 @@
     <p:sldMasterId id="2147483648" r:id="rId1"/>
   </p:sldMasterIdLst>
   <p:notesMasterIdLst>
-    <p:notesMasterId r:id="rId24"/>
+    <p:notesMasterId r:id="rId25"/>
   </p:notesMasterIdLst>
   <p:sldIdLst>
     <p:sldId id="256" r:id="rId2"/>
@@ -17,19 +17,20 @@
     <p:sldId id="277" r:id="rId8"/>
     <p:sldId id="276" r:id="rId9"/>
     <p:sldId id="278" r:id="rId10"/>
-    <p:sldId id="264" r:id="rId11"/>
-    <p:sldId id="265" r:id="rId12"/>
-    <p:sldId id="258" r:id="rId13"/>
-    <p:sldId id="267" r:id="rId14"/>
-    <p:sldId id="266" r:id="rId15"/>
-    <p:sldId id="268" r:id="rId16"/>
-    <p:sldId id="259" r:id="rId17"/>
-    <p:sldId id="274" r:id="rId18"/>
-    <p:sldId id="273" r:id="rId19"/>
-    <p:sldId id="260" r:id="rId20"/>
-    <p:sldId id="261" r:id="rId21"/>
-    <p:sldId id="262" r:id="rId22"/>
-    <p:sldId id="269" r:id="rId23"/>
+    <p:sldId id="279" r:id="rId11"/>
+    <p:sldId id="264" r:id="rId12"/>
+    <p:sldId id="265" r:id="rId13"/>
+    <p:sldId id="258" r:id="rId14"/>
+    <p:sldId id="267" r:id="rId15"/>
+    <p:sldId id="266" r:id="rId16"/>
+    <p:sldId id="268" r:id="rId17"/>
+    <p:sldId id="259" r:id="rId18"/>
+    <p:sldId id="274" r:id="rId19"/>
+    <p:sldId id="273" r:id="rId20"/>
+    <p:sldId id="260" r:id="rId21"/>
+    <p:sldId id="261" r:id="rId22"/>
+    <p:sldId id="262" r:id="rId23"/>
+    <p:sldId id="269" r:id="rId24"/>
   </p:sldIdLst>
   <p:sldSz cx="12192000" cy="6858000"/>
   <p:notesSz cx="6858000" cy="9144000"/>
@@ -271,7 +272,7 @@
   <pc:docChgLst>
     <pc:chgData name="Niederhuth, Chad" userId="dc65ded4-7150-447e-a49f-d8107899216f" providerId="ADAL" clId="{E85BDD1D-A512-6841-B116-14FA0B7AD93F}"/>
     <pc:docChg chg="undo redo custSel addSld delSld modSld sldOrd">
-      <pc:chgData name="Niederhuth, Chad" userId="dc65ded4-7150-447e-a49f-d8107899216f" providerId="ADAL" clId="{E85BDD1D-A512-6841-B116-14FA0B7AD93F}" dt="2022-08-03T19:55:13.799" v="11938" actId="207"/>
+      <pc:chgData name="Niederhuth, Chad" userId="dc65ded4-7150-447e-a49f-d8107899216f" providerId="ADAL" clId="{E85BDD1D-A512-6841-B116-14FA0B7AD93F}" dt="2022-08-03T20:01:04.398" v="12457" actId="14100"/>
       <pc:docMkLst>
         <pc:docMk/>
       </pc:docMkLst>
@@ -1006,6 +1007,29 @@
           </ac:spMkLst>
         </pc:spChg>
       </pc:sldChg>
+      <pc:sldChg chg="modSp add mod">
+        <pc:chgData name="Niederhuth, Chad" userId="dc65ded4-7150-447e-a49f-d8107899216f" providerId="ADAL" clId="{E85BDD1D-A512-6841-B116-14FA0B7AD93F}" dt="2022-08-03T20:01:04.398" v="12457" actId="14100"/>
+        <pc:sldMkLst>
+          <pc:docMk/>
+          <pc:sldMk cId="1292749324" sldId="279"/>
+        </pc:sldMkLst>
+        <pc:spChg chg="mod">
+          <ac:chgData name="Niederhuth, Chad" userId="dc65ded4-7150-447e-a49f-d8107899216f" providerId="ADAL" clId="{E85BDD1D-A512-6841-B116-14FA0B7AD93F}" dt="2022-08-03T19:58:23.135" v="11951" actId="20577"/>
+          <ac:spMkLst>
+            <pc:docMk/>
+            <pc:sldMk cId="1292749324" sldId="279"/>
+            <ac:spMk id="2" creationId="{419E8C89-06A8-E5E6-1605-743B428E240A}"/>
+          </ac:spMkLst>
+        </pc:spChg>
+        <pc:spChg chg="mod">
+          <ac:chgData name="Niederhuth, Chad" userId="dc65ded4-7150-447e-a49f-d8107899216f" providerId="ADAL" clId="{E85BDD1D-A512-6841-B116-14FA0B7AD93F}" dt="2022-08-03T20:01:04.398" v="12457" actId="14100"/>
+          <ac:spMkLst>
+            <pc:docMk/>
+            <pc:sldMk cId="1292749324" sldId="279"/>
+            <ac:spMk id="3" creationId="{F2E41BD1-8721-346D-42AC-534D579BBCDF}"/>
+          </ac:spMkLst>
+        </pc:spChg>
+      </pc:sldChg>
     </pc:docChg>
   </pc:docChgLst>
 </pc:chgInfo>
@@ -1677,7 +1701,7 @@
           <a:p>
             <a:fld id="{D7024998-7359-E446-A02C-AC5BFC9AF163}" type="slidenum">
               <a:rPr lang="en-US" smtClean="0"/>
-              <a:t>12</a:t>
+              <a:t>13</a:t>
             </a:fld>
             <a:endParaRPr lang="en-US"/>
           </a:p>
@@ -5001,7 +5025,7 @@
           <p:cNvPr id="2" name="Title 1">
             <a:extLst>
               <a:ext uri="{FF2B5EF4-FFF2-40B4-BE49-F238E27FC236}">
-                <a16:creationId xmlns:a16="http://schemas.microsoft.com/office/drawing/2014/main" id="{8086BB20-548B-595B-E512-5A615B471CF7}"/>
+                <a16:creationId xmlns:a16="http://schemas.microsoft.com/office/drawing/2014/main" id="{419E8C89-06A8-E5E6-1605-743B428E240A}"/>
               </a:ext>
             </a:extLst>
           </p:cNvPr>
@@ -5018,16 +5042,136 @@
           <a:lstStyle/>
           <a:p>
             <a:r>
-              <a:rPr lang="en-US" dirty="0"/>
-              <a:t>Working on Remote Clusters</a:t>
-            </a:r>
+              <a:rPr lang="en-US" dirty="0" err="1"/>
+              <a:t>bashrc</a:t>
+            </a:r>
+            <a:endParaRPr lang="en-US" dirty="0"/>
+          </a:p>
+        </p:txBody>
+      </p:sp>
+      <p:sp>
+        <p:nvSpPr>
+          <p:cNvPr id="3" name="Content Placeholder 2">
+            <a:extLst>
+              <a:ext uri="{FF2B5EF4-FFF2-40B4-BE49-F238E27FC236}">
+                <a16:creationId xmlns:a16="http://schemas.microsoft.com/office/drawing/2014/main" id="{F2E41BD1-8721-346D-42AC-534D579BBCDF}"/>
+              </a:ext>
+            </a:extLst>
+          </p:cNvPr>
+          <p:cNvSpPr>
+            <a:spLocks noGrp="1"/>
+          </p:cNvSpPr>
+          <p:nvPr>
+            <p:ph idx="1"/>
+          </p:nvPr>
+        </p:nvSpPr>
+        <p:spPr>
+          <a:xfrm>
+            <a:off x="838200" y="1969477"/>
+            <a:ext cx="10515600" cy="4599998"/>
+          </a:xfrm>
+        </p:spPr>
+        <p:txBody>
+          <a:bodyPr>
+            <a:normAutofit/>
+          </a:bodyPr>
+          <a:lstStyle/>
+          <a:p>
+            <a:r>
+              <a:rPr lang="en-US" dirty="0" err="1"/>
+              <a:t>bashrc</a:t>
+            </a:r>
+            <a:r>
+              <a:rPr lang="en-US" dirty="0"/>
+              <a:t> file can be used to customize your </a:t>
+            </a:r>
+            <a:r>
+              <a:rPr lang="en-US" dirty="0" err="1"/>
+              <a:t>unix</a:t>
+            </a:r>
+            <a:r>
+              <a:rPr lang="en-US" dirty="0"/>
+              <a:t> environment</a:t>
+            </a:r>
+          </a:p>
+          <a:p>
+            <a:pPr lvl="1"/>
+            <a:r>
+              <a:rPr lang="en-US" dirty="0"/>
+              <a:t>Set frequently used environmental variables</a:t>
+            </a:r>
+          </a:p>
+          <a:p>
+            <a:pPr lvl="1"/>
+            <a:r>
+              <a:rPr lang="en-US" dirty="0"/>
+              <a:t>Add aliases</a:t>
+            </a:r>
+          </a:p>
+          <a:p>
+            <a:pPr lvl="2"/>
+            <a:r>
+              <a:rPr lang="en-US" dirty="0"/>
+              <a:t>aliases can be used to create custom commands</a:t>
+            </a:r>
+          </a:p>
+          <a:p>
+            <a:r>
+              <a:rPr lang="en-US" dirty="0"/>
+              <a:t>Hidden file</a:t>
+            </a:r>
+          </a:p>
+          <a:p>
+            <a:pPr lvl="1"/>
+            <a:r>
+              <a:rPr lang="en-US" dirty="0"/>
+              <a:t>begins with a period, makes file invisible unless you use </a:t>
+            </a:r>
+            <a:r>
+              <a:rPr lang="en-US" dirty="0">
+                <a:solidFill>
+                  <a:srgbClr val="FF0000"/>
+                </a:solidFill>
+              </a:rPr>
+              <a:t>ls -a</a:t>
+            </a:r>
+            <a:endParaRPr lang="en-US" dirty="0"/>
+          </a:p>
+          <a:p>
+            <a:r>
+              <a:rPr lang="en-US" dirty="0">
+                <a:solidFill>
+                  <a:srgbClr val="FF0000"/>
+                </a:solidFill>
+              </a:rPr>
+              <a:t>vim .</a:t>
+            </a:r>
+            <a:r>
+              <a:rPr lang="en-US" dirty="0" err="1">
+                <a:solidFill>
+                  <a:srgbClr val="FF0000"/>
+                </a:solidFill>
+              </a:rPr>
+              <a:t>bashrc</a:t>
+            </a:r>
+            <a:endParaRPr lang="en-US" dirty="0">
+              <a:solidFill>
+                <a:srgbClr val="FF0000"/>
+              </a:solidFill>
+            </a:endParaRPr>
+          </a:p>
+          <a:p>
+            <a:pPr marL="0" indent="0">
+              <a:buNone/>
+            </a:pPr>
+            <a:endParaRPr lang="en-US" dirty="0"/>
           </a:p>
         </p:txBody>
       </p:sp>
     </p:spTree>
     <p:extLst>
       <p:ext uri="{BB962C8B-B14F-4D97-AF65-F5344CB8AC3E}">
-        <p14:creationId xmlns:p14="http://schemas.microsoft.com/office/powerpoint/2010/main" val="1352159887"/>
+        <p14:creationId xmlns:p14="http://schemas.microsoft.com/office/powerpoint/2010/main" val="1292749324"/>
       </p:ext>
     </p:extLst>
   </p:cSld>
@@ -5059,6 +5203,64 @@
           <p:cNvPr id="2" name="Title 1">
             <a:extLst>
               <a:ext uri="{FF2B5EF4-FFF2-40B4-BE49-F238E27FC236}">
+                <a16:creationId xmlns:a16="http://schemas.microsoft.com/office/drawing/2014/main" id="{8086BB20-548B-595B-E512-5A615B471CF7}"/>
+              </a:ext>
+            </a:extLst>
+          </p:cNvPr>
+          <p:cNvSpPr>
+            <a:spLocks noGrp="1"/>
+          </p:cNvSpPr>
+          <p:nvPr>
+            <p:ph type="title"/>
+          </p:nvPr>
+        </p:nvSpPr>
+        <p:spPr/>
+        <p:txBody>
+          <a:bodyPr/>
+          <a:lstStyle/>
+          <a:p>
+            <a:r>
+              <a:rPr lang="en-US" dirty="0"/>
+              <a:t>Working on Remote Clusters</a:t>
+            </a:r>
+          </a:p>
+        </p:txBody>
+      </p:sp>
+    </p:spTree>
+    <p:extLst>
+      <p:ext uri="{BB962C8B-B14F-4D97-AF65-F5344CB8AC3E}">
+        <p14:creationId xmlns:p14="http://schemas.microsoft.com/office/powerpoint/2010/main" val="1352159887"/>
+      </p:ext>
+    </p:extLst>
+  </p:cSld>
+  <p:clrMapOvr>
+    <a:masterClrMapping/>
+  </p:clrMapOvr>
+</p:sld>
+</file>
+
+<file path=ppt/slides/slide12.xml><?xml version="1.0" encoding="utf-8"?>
+<p:sld xmlns:a="http://schemas.openxmlformats.org/drawingml/2006/main" xmlns:r="http://schemas.openxmlformats.org/officeDocument/2006/relationships" xmlns:p="http://schemas.openxmlformats.org/presentationml/2006/main">
+  <p:cSld>
+    <p:spTree>
+      <p:nvGrpSpPr>
+        <p:cNvPr id="1" name=""/>
+        <p:cNvGrpSpPr/>
+        <p:nvPr/>
+      </p:nvGrpSpPr>
+      <p:grpSpPr>
+        <a:xfrm>
+          <a:off x="0" y="0"/>
+          <a:ext cx="0" cy="0"/>
+          <a:chOff x="0" y="0"/>
+          <a:chExt cx="0" cy="0"/>
+        </a:xfrm>
+      </p:grpSpPr>
+      <p:sp>
+        <p:nvSpPr>
+          <p:cNvPr id="2" name="Title 1">
+            <a:extLst>
+              <a:ext uri="{FF2B5EF4-FFF2-40B4-BE49-F238E27FC236}">
                 <a16:creationId xmlns:a16="http://schemas.microsoft.com/office/drawing/2014/main" id="{7FB6B268-FF9E-7F5A-7338-5513B95C2015}"/>
               </a:ext>
             </a:extLst>
@@ -5277,7 +5479,7 @@
 </p:sld>
 </file>
 
-<file path=ppt/slides/slide12.xml><?xml version="1.0" encoding="utf-8"?>
+<file path=ppt/slides/slide13.xml><?xml version="1.0" encoding="utf-8"?>
 <p:sld xmlns:a="http://schemas.openxmlformats.org/drawingml/2006/main" xmlns:r="http://schemas.openxmlformats.org/officeDocument/2006/relationships" xmlns:p="http://schemas.openxmlformats.org/presentationml/2006/main">
   <p:cSld>
     <p:spTree>
@@ -5568,216 +5770,6 @@
 </p:sld>
 </file>
 
-<file path=ppt/slides/slide13.xml><?xml version="1.0" encoding="utf-8"?>
-<p:sld xmlns:a="http://schemas.openxmlformats.org/drawingml/2006/main" xmlns:r="http://schemas.openxmlformats.org/officeDocument/2006/relationships" xmlns:p="http://schemas.openxmlformats.org/presentationml/2006/main">
-  <p:cSld>
-    <p:spTree>
-      <p:nvGrpSpPr>
-        <p:cNvPr id="1" name=""/>
-        <p:cNvGrpSpPr/>
-        <p:nvPr/>
-      </p:nvGrpSpPr>
-      <p:grpSpPr>
-        <a:xfrm>
-          <a:off x="0" y="0"/>
-          <a:ext cx="0" cy="0"/>
-          <a:chOff x="0" y="0"/>
-          <a:chExt cx="0" cy="0"/>
-        </a:xfrm>
-      </p:grpSpPr>
-      <p:sp>
-        <p:nvSpPr>
-          <p:cNvPr id="2" name="Title 1">
-            <a:extLst>
-              <a:ext uri="{FF2B5EF4-FFF2-40B4-BE49-F238E27FC236}">
-                <a16:creationId xmlns:a16="http://schemas.microsoft.com/office/drawing/2014/main" id="{EF143DB6-2B8E-FAA6-D5BE-E45694F103DF}"/>
-              </a:ext>
-            </a:extLst>
-          </p:cNvPr>
-          <p:cNvSpPr>
-            <a:spLocks noGrp="1"/>
-          </p:cNvSpPr>
-          <p:nvPr>
-            <p:ph type="title"/>
-          </p:nvPr>
-        </p:nvSpPr>
-        <p:spPr/>
-        <p:txBody>
-          <a:bodyPr/>
-          <a:lstStyle/>
-          <a:p>
-            <a:r>
-              <a:rPr lang="en-US" dirty="0"/>
-              <a:t>HPCC Installed Software</a:t>
-            </a:r>
-          </a:p>
-        </p:txBody>
-      </p:sp>
-      <p:sp>
-        <p:nvSpPr>
-          <p:cNvPr id="3" name="Content Placeholder 2">
-            <a:extLst>
-              <a:ext uri="{FF2B5EF4-FFF2-40B4-BE49-F238E27FC236}">
-                <a16:creationId xmlns:a16="http://schemas.microsoft.com/office/drawing/2014/main" id="{451C78D1-4E0E-5ACE-ED98-8B3FD2C0E21B}"/>
-              </a:ext>
-            </a:extLst>
-          </p:cNvPr>
-          <p:cNvSpPr>
-            <a:spLocks noGrp="1"/>
-          </p:cNvSpPr>
-          <p:nvPr>
-            <p:ph idx="1"/>
-          </p:nvPr>
-        </p:nvSpPr>
-        <p:spPr>
-          <a:xfrm>
-            <a:off x="838200" y="1825624"/>
-            <a:ext cx="10515600" cy="4788535"/>
-          </a:xfrm>
-        </p:spPr>
-        <p:txBody>
-          <a:bodyPr>
-            <a:normAutofit lnSpcReduction="10000"/>
-          </a:bodyPr>
-          <a:lstStyle/>
-          <a:p>
-            <a:r>
-              <a:rPr lang="en-US" dirty="0"/>
-              <a:t>HPCC has a lot of installed software</a:t>
-            </a:r>
-          </a:p>
-          <a:p>
-            <a:pPr lvl="1"/>
-            <a:r>
-              <a:rPr lang="en-US" dirty="0"/>
-              <a:t>Advantage: Installed with all dependencies</a:t>
-            </a:r>
-          </a:p>
-          <a:p>
-            <a:pPr lvl="1"/>
-            <a:r>
-              <a:rPr lang="en-US" dirty="0"/>
-              <a:t>Disadvantage: Not always the most up to date</a:t>
-            </a:r>
-          </a:p>
-          <a:p>
-            <a:pPr lvl="1"/>
-            <a:r>
-              <a:rPr lang="en-US" dirty="0"/>
-              <a:t>Disadvantage: Can’t export/share the environment for reproducibility</a:t>
-            </a:r>
-          </a:p>
-          <a:p>
-            <a:r>
-              <a:rPr lang="en-US" dirty="0"/>
-              <a:t>Installed software can be used with the module loading system</a:t>
-            </a:r>
-          </a:p>
-          <a:p>
-            <a:pPr lvl="1"/>
-            <a:r>
-              <a:rPr lang="en-US" dirty="0"/>
-              <a:t>Documentation: </a:t>
-            </a:r>
-            <a:r>
-              <a:rPr lang="en-US" dirty="0">
-                <a:hlinkClick r:id="rId2"/>
-              </a:rPr>
-              <a:t>https://docs.icer.msu.edu/How_to_find_and_load_software_modules/</a:t>
-            </a:r>
-            <a:r>
-              <a:rPr lang="en-US" dirty="0"/>
-              <a:t> </a:t>
-            </a:r>
-          </a:p>
-          <a:p>
-            <a:pPr lvl="1"/>
-            <a:r>
-              <a:rPr lang="en-US" dirty="0">
-                <a:solidFill>
-                  <a:srgbClr val="FF0000"/>
-                </a:solidFill>
-              </a:rPr>
-              <a:t>module spider </a:t>
-            </a:r>
-            <a:r>
-              <a:rPr lang="en-US" dirty="0" err="1">
-                <a:solidFill>
-                  <a:srgbClr val="FF0000"/>
-                </a:solidFill>
-              </a:rPr>
-              <a:t>sra</a:t>
-            </a:r>
-            <a:endParaRPr lang="en-US" dirty="0"/>
-          </a:p>
-          <a:p>
-            <a:pPr lvl="2"/>
-            <a:r>
-              <a:rPr lang="en-US" dirty="0"/>
-              <a:t>Search for modules with “</a:t>
-            </a:r>
-            <a:r>
-              <a:rPr lang="en-US" dirty="0" err="1"/>
-              <a:t>sra</a:t>
-            </a:r>
-            <a:r>
-              <a:rPr lang="en-US" dirty="0"/>
-              <a:t>”</a:t>
-            </a:r>
-          </a:p>
-          <a:p>
-            <a:pPr lvl="1"/>
-            <a:r>
-              <a:rPr lang="en-US" dirty="0">
-                <a:solidFill>
-                  <a:srgbClr val="FF0000"/>
-                </a:solidFill>
-              </a:rPr>
-              <a:t>module load SRA-Toolkit/2.10.7-centos_linux64</a:t>
-            </a:r>
-            <a:endParaRPr lang="en-US" dirty="0"/>
-          </a:p>
-          <a:p>
-            <a:pPr lvl="2"/>
-            <a:r>
-              <a:rPr lang="en-US" dirty="0"/>
-              <a:t>Load the SRA Toolkit module</a:t>
-            </a:r>
-          </a:p>
-          <a:p>
-            <a:pPr lvl="1"/>
-            <a:r>
-              <a:rPr lang="en-US" dirty="0">
-                <a:solidFill>
-                  <a:srgbClr val="FF0000"/>
-                </a:solidFill>
-              </a:rPr>
-              <a:t>module unload SRA-Toolkit/2.10.7-centos_linux64</a:t>
-            </a:r>
-            <a:endParaRPr lang="en-US" dirty="0"/>
-          </a:p>
-          <a:p>
-            <a:pPr lvl="2"/>
-            <a:r>
-              <a:rPr lang="en-US" dirty="0"/>
-              <a:t>Unload the SRA Toolkit module</a:t>
-            </a:r>
-          </a:p>
-        </p:txBody>
-      </p:sp>
-    </p:spTree>
-    <p:extLst>
-      <p:ext uri="{BB962C8B-B14F-4D97-AF65-F5344CB8AC3E}">
-        <p14:creationId xmlns:p14="http://schemas.microsoft.com/office/powerpoint/2010/main" val="2193329759"/>
-      </p:ext>
-    </p:extLst>
-  </p:cSld>
-  <p:clrMapOvr>
-    <a:masterClrMapping/>
-  </p:clrMapOvr>
-</p:sld>
-</file>
-
 <file path=ppt/slides/slide14.xml><?xml version="1.0" encoding="utf-8"?>
 <p:sld xmlns:a="http://schemas.openxmlformats.org/drawingml/2006/main" xmlns:r="http://schemas.openxmlformats.org/officeDocument/2006/relationships" xmlns:p="http://schemas.openxmlformats.org/presentationml/2006/main">
   <p:cSld>
@@ -5818,13 +5810,8 @@
           <a:p>
             <a:r>
               <a:rPr lang="en-US" dirty="0"/>
-              <a:t>Installing Software - </a:t>
-            </a:r>
-            <a:r>
-              <a:rPr lang="en-US" dirty="0" err="1"/>
-              <a:t>Conda</a:t>
-            </a:r>
-            <a:endParaRPr lang="en-US" dirty="0"/>
+              <a:t>HPCC Installed Software</a:t>
+            </a:r>
           </a:p>
         </p:txBody>
       </p:sp>
@@ -5847,28 +5834,58 @@
         <p:spPr>
           <a:xfrm>
             <a:off x="838200" y="1825624"/>
-            <a:ext cx="10515600" cy="4758055"/>
+            <a:ext cx="10515600" cy="4788535"/>
           </a:xfrm>
         </p:spPr>
         <p:txBody>
           <a:bodyPr>
-            <a:normAutofit fontScale="85000" lnSpcReduction="20000"/>
+            <a:normAutofit lnSpcReduction="10000"/>
           </a:bodyPr>
           <a:lstStyle/>
           <a:p>
             <a:r>
-              <a:rPr lang="en-US" dirty="0" err="1"/>
-              <a:t>Conda</a:t>
-            </a:r>
-            <a:r>
-              <a:rPr lang="en-US" dirty="0"/>
-              <a:t>: </a:t>
+              <a:rPr lang="en-US" dirty="0"/>
+              <a:t>HPCC has a lot of installed software</a:t>
+            </a:r>
+          </a:p>
+          <a:p>
+            <a:pPr lvl="1"/>
+            <a:r>
+              <a:rPr lang="en-US" dirty="0"/>
+              <a:t>Advantage: Installed with all dependencies</a:t>
+            </a:r>
+          </a:p>
+          <a:p>
+            <a:pPr lvl="1"/>
+            <a:r>
+              <a:rPr lang="en-US" dirty="0"/>
+              <a:t>Disadvantage: Not always the most up to date</a:t>
+            </a:r>
+          </a:p>
+          <a:p>
+            <a:pPr lvl="1"/>
+            <a:r>
+              <a:rPr lang="en-US" dirty="0"/>
+              <a:t>Disadvantage: Can’t export/share the environment for reproducibility</a:t>
+            </a:r>
+          </a:p>
+          <a:p>
+            <a:r>
+              <a:rPr lang="en-US" dirty="0"/>
+              <a:t>Installed software can be used with the module loading system</a:t>
+            </a:r>
+          </a:p>
+          <a:p>
+            <a:pPr lvl="1"/>
+            <a:r>
+              <a:rPr lang="en-US" dirty="0"/>
+              <a:t>Documentation: </a:t>
             </a:r>
             <a:r>
               <a:rPr lang="en-US" dirty="0">
                 <a:hlinkClick r:id="rId2"/>
               </a:rPr>
-              <a:t>https://docs.conda.io/en/latest/</a:t>
+              <a:t>https://docs.icer.msu.edu/How_to_find_and_load_software_modules/</a:t>
             </a:r>
             <a:r>
               <a:rPr lang="en-US" dirty="0"/>
@@ -5878,163 +5895,74 @@
           <a:p>
             <a:pPr lvl="1"/>
             <a:r>
-              <a:rPr lang="en-US" dirty="0"/>
-              <a:t>Package manager</a:t>
-            </a:r>
-          </a:p>
-          <a:p>
-            <a:pPr lvl="1"/>
-            <a:r>
-              <a:rPr lang="en-US" dirty="0"/>
-              <a:t>Handles installation, version control, &amp; dependencies</a:t>
-            </a:r>
-          </a:p>
-          <a:p>
-            <a:pPr lvl="1"/>
-            <a:r>
-              <a:rPr lang="en-US" dirty="0"/>
-              <a:t>Enables reproducibility</a:t>
-            </a:r>
-          </a:p>
-          <a:p>
-            <a:pPr lvl="1"/>
-            <a:r>
-              <a:rPr lang="en-US" dirty="0"/>
-              <a:t>Create different self-contained environments for different programs, program versions, and dependencies</a:t>
-            </a:r>
-          </a:p>
-          <a:p>
-            <a:r>
-              <a:rPr lang="en-US" dirty="0"/>
-              <a:t>Anaconda</a:t>
-            </a:r>
-          </a:p>
-          <a:p>
-            <a:pPr lvl="1"/>
-            <a:r>
-              <a:rPr lang="en-US" dirty="0"/>
-              <a:t>Full version of </a:t>
+              <a:rPr lang="en-US" dirty="0">
+                <a:solidFill>
+                  <a:srgbClr val="FF0000"/>
+                </a:solidFill>
+              </a:rPr>
+              <a:t>module spider </a:t>
+            </a:r>
+            <a:r>
+              <a:rPr lang="en-US" dirty="0" err="1">
+                <a:solidFill>
+                  <a:srgbClr val="FF0000"/>
+                </a:solidFill>
+              </a:rPr>
+              <a:t>sra</a:t>
+            </a:r>
+            <a:endParaRPr lang="en-US" dirty="0"/>
+          </a:p>
+          <a:p>
+            <a:pPr lvl="2"/>
+            <a:r>
+              <a:rPr lang="en-US" dirty="0"/>
+              <a:t>Search for modules with “</a:t>
             </a:r>
             <a:r>
               <a:rPr lang="en-US" dirty="0" err="1"/>
-              <a:t>Conda</a:t>
+              <a:t>sra</a:t>
+            </a:r>
+            <a:r>
+              <a:rPr lang="en-US" dirty="0"/>
+              <a:t>”</a:t>
+            </a:r>
+          </a:p>
+          <a:p>
+            <a:pPr lvl="1"/>
+            <a:r>
+              <a:rPr lang="en-US" dirty="0">
+                <a:solidFill>
+                  <a:srgbClr val="FF0000"/>
+                </a:solidFill>
+              </a:rPr>
+              <a:t>module load SRA-Toolkit/2.10.7-centos_linux64</a:t>
             </a:r>
             <a:endParaRPr lang="en-US" dirty="0"/>
           </a:p>
           <a:p>
-            <a:pPr lvl="1"/>
-            <a:r>
-              <a:rPr lang="en-US" dirty="0"/>
-              <a:t>Comes with lots of interactive apps</a:t>
-            </a:r>
-          </a:p>
-          <a:p>
             <a:pPr lvl="2"/>
             <a:r>
               <a:rPr lang="en-US" dirty="0"/>
-              <a:t>These wont work on the cluster, so just hogs memory</a:t>
-            </a:r>
-          </a:p>
-          <a:p>
-            <a:r>
-              <a:rPr lang="en-US" dirty="0" err="1"/>
-              <a:t>Miniconda</a:t>
+              <a:t>Load the SRA Toolkit module</a:t>
+            </a:r>
+          </a:p>
+          <a:p>
+            <a:pPr lvl="1"/>
+            <a:r>
+              <a:rPr lang="en-US" dirty="0">
+                <a:solidFill>
+                  <a:srgbClr val="FF0000"/>
+                </a:solidFill>
+              </a:rPr>
+              <a:t>module unload SRA-Toolkit/2.10.7-centos_linux64</a:t>
             </a:r>
             <a:endParaRPr lang="en-US" dirty="0"/>
           </a:p>
           <a:p>
-            <a:pPr lvl="1"/>
-            <a:r>
-              <a:rPr lang="en-US" dirty="0"/>
-              <a:t>Stripped down version of </a:t>
-            </a:r>
-            <a:r>
-              <a:rPr lang="en-US" dirty="0" err="1"/>
-              <a:t>Conda</a:t>
-            </a:r>
-            <a:r>
-              <a:rPr lang="en-US" dirty="0"/>
-              <a:t>, basics only</a:t>
-            </a:r>
-          </a:p>
-          <a:p>
             <a:pPr lvl="2"/>
             <a:r>
               <a:rPr lang="en-US" dirty="0"/>
-              <a:t>Good for the cluster</a:t>
-            </a:r>
-          </a:p>
-          <a:p>
-            <a:pPr lvl="1"/>
-            <a:r>
-              <a:rPr lang="en-US" dirty="0"/>
-              <a:t>Download: </a:t>
-            </a:r>
-            <a:r>
-              <a:rPr lang="en-US" dirty="0" err="1">
-                <a:solidFill>
-                  <a:srgbClr val="FF0000"/>
-                </a:solidFill>
-              </a:rPr>
-              <a:t>wget</a:t>
-            </a:r>
-            <a:r>
-              <a:rPr lang="en-US" dirty="0">
-                <a:solidFill>
-                  <a:srgbClr val="FF0000"/>
-                </a:solidFill>
-              </a:rPr>
-              <a:t> </a:t>
-            </a:r>
-            <a:r>
-              <a:rPr lang="en-US" dirty="0">
-                <a:solidFill>
-                  <a:srgbClr val="0563C1"/>
-                </a:solidFill>
-                <a:hlinkClick r:id="rId3">
-                  <a:extLst>
-                    <a:ext uri="{A12FA001-AC4F-418D-AE19-62706E023703}">
-                      <ahyp:hlinkClr xmlns:ahyp="http://schemas.microsoft.com/office/drawing/2018/hyperlinkcolor" val="tx"/>
-                    </a:ext>
-                  </a:extLst>
-                </a:hlinkClick>
-              </a:rPr>
-              <a:t>https://repo.anaconda.com/miniconda/Miniconda3-latest-Linux-x86_64.</a:t>
-            </a:r>
-            <a:r>
-              <a:rPr lang="en-US" dirty="0">
-                <a:solidFill>
-                  <a:srgbClr val="FF0000"/>
-                </a:solidFill>
-                <a:hlinkClick r:id="rId3">
-                  <a:extLst>
-                    <a:ext uri="{A12FA001-AC4F-418D-AE19-62706E023703}">
-                      <ahyp:hlinkClr xmlns:ahyp="http://schemas.microsoft.com/office/drawing/2018/hyperlinkcolor" val="tx"/>
-                    </a:ext>
-                  </a:extLst>
-                </a:hlinkClick>
-              </a:rPr>
-              <a:t>sh</a:t>
-            </a:r>
-            <a:endParaRPr lang="en-US" dirty="0">
-              <a:solidFill>
-                <a:srgbClr val="FF0000"/>
-              </a:solidFill>
-            </a:endParaRPr>
-          </a:p>
-          <a:p>
-            <a:pPr lvl="1"/>
-            <a:r>
-              <a:rPr lang="en-US" dirty="0"/>
-              <a:t>Install: </a:t>
-            </a:r>
-            <a:r>
-              <a:rPr lang="en-US" dirty="0">
-                <a:solidFill>
-                  <a:srgbClr val="FF0000"/>
-                </a:solidFill>
-              </a:rPr>
-              <a:t>bash Miniconda3-latest-Linux-x86_64.sh</a:t>
+              <a:t>Unload the SRA Toolkit module</a:t>
             </a:r>
           </a:p>
         </p:txBody>
@@ -6042,7 +5970,7 @@
     </p:spTree>
     <p:extLst>
       <p:ext uri="{BB962C8B-B14F-4D97-AF65-F5344CB8AC3E}">
-        <p14:creationId xmlns:p14="http://schemas.microsoft.com/office/powerpoint/2010/main" val="4029259220"/>
+        <p14:creationId xmlns:p14="http://schemas.microsoft.com/office/powerpoint/2010/main" val="2193329759"/>
       </p:ext>
     </p:extLst>
   </p:cSld>
@@ -6120,6 +6048,280 @@
         </p:nvSpPr>
         <p:spPr>
           <a:xfrm>
+            <a:off x="838200" y="1825624"/>
+            <a:ext cx="10515600" cy="4758055"/>
+          </a:xfrm>
+        </p:spPr>
+        <p:txBody>
+          <a:bodyPr>
+            <a:normAutofit fontScale="85000" lnSpcReduction="20000"/>
+          </a:bodyPr>
+          <a:lstStyle/>
+          <a:p>
+            <a:r>
+              <a:rPr lang="en-US" dirty="0" err="1"/>
+              <a:t>Conda</a:t>
+            </a:r>
+            <a:r>
+              <a:rPr lang="en-US" dirty="0"/>
+              <a:t>: </a:t>
+            </a:r>
+            <a:r>
+              <a:rPr lang="en-US" dirty="0">
+                <a:hlinkClick r:id="rId2"/>
+              </a:rPr>
+              <a:t>https://docs.conda.io/en/latest/</a:t>
+            </a:r>
+            <a:r>
+              <a:rPr lang="en-US" dirty="0"/>
+              <a:t> </a:t>
+            </a:r>
+          </a:p>
+          <a:p>
+            <a:pPr lvl="1"/>
+            <a:r>
+              <a:rPr lang="en-US" dirty="0"/>
+              <a:t>Package manager</a:t>
+            </a:r>
+          </a:p>
+          <a:p>
+            <a:pPr lvl="1"/>
+            <a:r>
+              <a:rPr lang="en-US" dirty="0"/>
+              <a:t>Handles installation, version control, &amp; dependencies</a:t>
+            </a:r>
+          </a:p>
+          <a:p>
+            <a:pPr lvl="1"/>
+            <a:r>
+              <a:rPr lang="en-US" dirty="0"/>
+              <a:t>Enables reproducibility</a:t>
+            </a:r>
+          </a:p>
+          <a:p>
+            <a:pPr lvl="1"/>
+            <a:r>
+              <a:rPr lang="en-US" dirty="0"/>
+              <a:t>Create different self-contained environments for different programs, program versions, and dependencies</a:t>
+            </a:r>
+          </a:p>
+          <a:p>
+            <a:r>
+              <a:rPr lang="en-US" dirty="0"/>
+              <a:t>Anaconda</a:t>
+            </a:r>
+          </a:p>
+          <a:p>
+            <a:pPr lvl="1"/>
+            <a:r>
+              <a:rPr lang="en-US" dirty="0"/>
+              <a:t>Full version of </a:t>
+            </a:r>
+            <a:r>
+              <a:rPr lang="en-US" dirty="0" err="1"/>
+              <a:t>Conda</a:t>
+            </a:r>
+            <a:endParaRPr lang="en-US" dirty="0"/>
+          </a:p>
+          <a:p>
+            <a:pPr lvl="1"/>
+            <a:r>
+              <a:rPr lang="en-US" dirty="0"/>
+              <a:t>Comes with lots of interactive apps</a:t>
+            </a:r>
+          </a:p>
+          <a:p>
+            <a:pPr lvl="2"/>
+            <a:r>
+              <a:rPr lang="en-US" dirty="0"/>
+              <a:t>These wont work on the cluster, so just hogs memory</a:t>
+            </a:r>
+          </a:p>
+          <a:p>
+            <a:r>
+              <a:rPr lang="en-US" dirty="0" err="1"/>
+              <a:t>Miniconda</a:t>
+            </a:r>
+            <a:endParaRPr lang="en-US" dirty="0"/>
+          </a:p>
+          <a:p>
+            <a:pPr lvl="1"/>
+            <a:r>
+              <a:rPr lang="en-US" dirty="0"/>
+              <a:t>Stripped down version of </a:t>
+            </a:r>
+            <a:r>
+              <a:rPr lang="en-US" dirty="0" err="1"/>
+              <a:t>Conda</a:t>
+            </a:r>
+            <a:r>
+              <a:rPr lang="en-US" dirty="0"/>
+              <a:t>, basics only</a:t>
+            </a:r>
+          </a:p>
+          <a:p>
+            <a:pPr lvl="2"/>
+            <a:r>
+              <a:rPr lang="en-US" dirty="0"/>
+              <a:t>Good for the cluster</a:t>
+            </a:r>
+          </a:p>
+          <a:p>
+            <a:pPr lvl="1"/>
+            <a:r>
+              <a:rPr lang="en-US" dirty="0"/>
+              <a:t>Download: </a:t>
+            </a:r>
+            <a:r>
+              <a:rPr lang="en-US" dirty="0" err="1">
+                <a:solidFill>
+                  <a:srgbClr val="FF0000"/>
+                </a:solidFill>
+              </a:rPr>
+              <a:t>wget</a:t>
+            </a:r>
+            <a:r>
+              <a:rPr lang="en-US" dirty="0">
+                <a:solidFill>
+                  <a:srgbClr val="FF0000"/>
+                </a:solidFill>
+              </a:rPr>
+              <a:t> </a:t>
+            </a:r>
+            <a:r>
+              <a:rPr lang="en-US" dirty="0">
+                <a:solidFill>
+                  <a:srgbClr val="0563C1"/>
+                </a:solidFill>
+                <a:hlinkClick r:id="rId3">
+                  <a:extLst>
+                    <a:ext uri="{A12FA001-AC4F-418D-AE19-62706E023703}">
+                      <ahyp:hlinkClr xmlns:ahyp="http://schemas.microsoft.com/office/drawing/2018/hyperlinkcolor" val="tx"/>
+                    </a:ext>
+                  </a:extLst>
+                </a:hlinkClick>
+              </a:rPr>
+              <a:t>https://repo.anaconda.com/miniconda/Miniconda3-latest-Linux-x86_64.</a:t>
+            </a:r>
+            <a:r>
+              <a:rPr lang="en-US" dirty="0">
+                <a:solidFill>
+                  <a:srgbClr val="FF0000"/>
+                </a:solidFill>
+                <a:hlinkClick r:id="rId3">
+                  <a:extLst>
+                    <a:ext uri="{A12FA001-AC4F-418D-AE19-62706E023703}">
+                      <ahyp:hlinkClr xmlns:ahyp="http://schemas.microsoft.com/office/drawing/2018/hyperlinkcolor" val="tx"/>
+                    </a:ext>
+                  </a:extLst>
+                </a:hlinkClick>
+              </a:rPr>
+              <a:t>sh</a:t>
+            </a:r>
+            <a:endParaRPr lang="en-US" dirty="0">
+              <a:solidFill>
+                <a:srgbClr val="FF0000"/>
+              </a:solidFill>
+            </a:endParaRPr>
+          </a:p>
+          <a:p>
+            <a:pPr lvl="1"/>
+            <a:r>
+              <a:rPr lang="en-US" dirty="0"/>
+              <a:t>Install: </a:t>
+            </a:r>
+            <a:r>
+              <a:rPr lang="en-US" dirty="0">
+                <a:solidFill>
+                  <a:srgbClr val="FF0000"/>
+                </a:solidFill>
+              </a:rPr>
+              <a:t>bash Miniconda3-latest-Linux-x86_64.sh</a:t>
+            </a:r>
+          </a:p>
+        </p:txBody>
+      </p:sp>
+    </p:spTree>
+    <p:extLst>
+      <p:ext uri="{BB962C8B-B14F-4D97-AF65-F5344CB8AC3E}">
+        <p14:creationId xmlns:p14="http://schemas.microsoft.com/office/powerpoint/2010/main" val="4029259220"/>
+      </p:ext>
+    </p:extLst>
+  </p:cSld>
+  <p:clrMapOvr>
+    <a:masterClrMapping/>
+  </p:clrMapOvr>
+</p:sld>
+</file>
+
+<file path=ppt/slides/slide16.xml><?xml version="1.0" encoding="utf-8"?>
+<p:sld xmlns:a="http://schemas.openxmlformats.org/drawingml/2006/main" xmlns:r="http://schemas.openxmlformats.org/officeDocument/2006/relationships" xmlns:p="http://schemas.openxmlformats.org/presentationml/2006/main">
+  <p:cSld>
+    <p:spTree>
+      <p:nvGrpSpPr>
+        <p:cNvPr id="1" name=""/>
+        <p:cNvGrpSpPr/>
+        <p:nvPr/>
+      </p:nvGrpSpPr>
+      <p:grpSpPr>
+        <a:xfrm>
+          <a:off x="0" y="0"/>
+          <a:ext cx="0" cy="0"/>
+          <a:chOff x="0" y="0"/>
+          <a:chExt cx="0" cy="0"/>
+        </a:xfrm>
+      </p:grpSpPr>
+      <p:sp>
+        <p:nvSpPr>
+          <p:cNvPr id="2" name="Title 1">
+            <a:extLst>
+              <a:ext uri="{FF2B5EF4-FFF2-40B4-BE49-F238E27FC236}">
+                <a16:creationId xmlns:a16="http://schemas.microsoft.com/office/drawing/2014/main" id="{EF143DB6-2B8E-FAA6-D5BE-E45694F103DF}"/>
+              </a:ext>
+            </a:extLst>
+          </p:cNvPr>
+          <p:cNvSpPr>
+            <a:spLocks noGrp="1"/>
+          </p:cNvSpPr>
+          <p:nvPr>
+            <p:ph type="title"/>
+          </p:nvPr>
+        </p:nvSpPr>
+        <p:spPr/>
+        <p:txBody>
+          <a:bodyPr/>
+          <a:lstStyle/>
+          <a:p>
+            <a:r>
+              <a:rPr lang="en-US" dirty="0"/>
+              <a:t>Installing Software - </a:t>
+            </a:r>
+            <a:r>
+              <a:rPr lang="en-US" dirty="0" err="1"/>
+              <a:t>Conda</a:t>
+            </a:r>
+            <a:endParaRPr lang="en-US" dirty="0"/>
+          </a:p>
+        </p:txBody>
+      </p:sp>
+      <p:sp>
+        <p:nvSpPr>
+          <p:cNvPr id="3" name="Content Placeholder 2">
+            <a:extLst>
+              <a:ext uri="{FF2B5EF4-FFF2-40B4-BE49-F238E27FC236}">
+                <a16:creationId xmlns:a16="http://schemas.microsoft.com/office/drawing/2014/main" id="{451C78D1-4E0E-5ACE-ED98-8B3FD2C0E21B}"/>
+              </a:ext>
+            </a:extLst>
+          </p:cNvPr>
+          <p:cNvSpPr>
+            <a:spLocks noGrp="1"/>
+          </p:cNvSpPr>
+          <p:nvPr>
+            <p:ph idx="1"/>
+          </p:nvPr>
+        </p:nvSpPr>
+        <p:spPr>
+          <a:xfrm>
             <a:off x="838200" y="1544320"/>
             <a:ext cx="10515600" cy="5140959"/>
           </a:xfrm>
@@ -6434,7 +6636,7 @@
 </p:sld>
 </file>
 
-<file path=ppt/slides/slide16.xml><?xml version="1.0" encoding="utf-8"?>
+<file path=ppt/slides/slide17.xml><?xml version="1.0" encoding="utf-8"?>
 <p:sld xmlns:a="http://schemas.openxmlformats.org/drawingml/2006/main" xmlns:r="http://schemas.openxmlformats.org/officeDocument/2006/relationships" xmlns:p="http://schemas.openxmlformats.org/presentationml/2006/main">
   <p:cSld>
     <p:spTree>
@@ -6633,7 +6835,7 @@
 </p:sld>
 </file>
 
-<file path=ppt/slides/slide17.xml><?xml version="1.0" encoding="utf-8"?>
+<file path=ppt/slides/slide18.xml><?xml version="1.0" encoding="utf-8"?>
 <p:sld xmlns:a="http://schemas.openxmlformats.org/drawingml/2006/main" xmlns:r="http://schemas.openxmlformats.org/officeDocument/2006/relationships" xmlns:p="http://schemas.openxmlformats.org/presentationml/2006/main">
   <p:cSld>
     <p:spTree>
@@ -7007,7 +7209,7 @@
 </p:sld>
 </file>
 
-<file path=ppt/slides/slide18.xml><?xml version="1.0" encoding="utf-8"?>
+<file path=ppt/slides/slide19.xml><?xml version="1.0" encoding="utf-8"?>
 <p:sld xmlns:a="http://schemas.openxmlformats.org/drawingml/2006/main" xmlns:r="http://schemas.openxmlformats.org/officeDocument/2006/relationships" xmlns:p="http://schemas.openxmlformats.org/presentationml/2006/main">
   <p:cSld>
     <p:spTree>
@@ -7226,64 +7428,6 @@
 </p:sld>
 </file>
 
-<file path=ppt/slides/slide19.xml><?xml version="1.0" encoding="utf-8"?>
-<p:sld xmlns:a="http://schemas.openxmlformats.org/drawingml/2006/main" xmlns:r="http://schemas.openxmlformats.org/officeDocument/2006/relationships" xmlns:p="http://schemas.openxmlformats.org/presentationml/2006/main">
-  <p:cSld>
-    <p:spTree>
-      <p:nvGrpSpPr>
-        <p:cNvPr id="1" name=""/>
-        <p:cNvGrpSpPr/>
-        <p:nvPr/>
-      </p:nvGrpSpPr>
-      <p:grpSpPr>
-        <a:xfrm>
-          <a:off x="0" y="0"/>
-          <a:ext cx="0" cy="0"/>
-          <a:chOff x="0" y="0"/>
-          <a:chExt cx="0" cy="0"/>
-        </a:xfrm>
-      </p:grpSpPr>
-      <p:sp>
-        <p:nvSpPr>
-          <p:cNvPr id="2" name="Title 1">
-            <a:extLst>
-              <a:ext uri="{FF2B5EF4-FFF2-40B4-BE49-F238E27FC236}">
-                <a16:creationId xmlns:a16="http://schemas.microsoft.com/office/drawing/2014/main" id="{8086BB20-548B-595B-E512-5A615B471CF7}"/>
-              </a:ext>
-            </a:extLst>
-          </p:cNvPr>
-          <p:cNvSpPr>
-            <a:spLocks noGrp="1"/>
-          </p:cNvSpPr>
-          <p:nvPr>
-            <p:ph type="title"/>
-          </p:nvPr>
-        </p:nvSpPr>
-        <p:spPr/>
-        <p:txBody>
-          <a:bodyPr/>
-          <a:lstStyle/>
-          <a:p>
-            <a:r>
-              <a:rPr lang="en-US" dirty="0"/>
-              <a:t>Data Reproducibility</a:t>
-            </a:r>
-          </a:p>
-        </p:txBody>
-      </p:sp>
-    </p:spTree>
-    <p:extLst>
-      <p:ext uri="{BB962C8B-B14F-4D97-AF65-F5344CB8AC3E}">
-        <p14:creationId xmlns:p14="http://schemas.microsoft.com/office/powerpoint/2010/main" val="598981761"/>
-      </p:ext>
-    </p:extLst>
-  </p:cSld>
-  <p:clrMapOvr>
-    <a:masterClrMapping/>
-  </p:clrMapOvr>
-</p:sld>
-</file>
-
 <file path=ppt/slides/slide2.xml><?xml version="1.0" encoding="utf-8"?>
 <p:sld xmlns:a="http://schemas.openxmlformats.org/drawingml/2006/main" xmlns:r="http://schemas.openxmlformats.org/officeDocument/2006/relationships" xmlns:p="http://schemas.openxmlformats.org/presentationml/2006/main">
   <p:cSld>
@@ -7364,7 +7508,7 @@
           <p:cNvPr id="2" name="Title 1">
             <a:extLst>
               <a:ext uri="{FF2B5EF4-FFF2-40B4-BE49-F238E27FC236}">
-                <a16:creationId xmlns:a16="http://schemas.microsoft.com/office/drawing/2014/main" id="{EF143DB6-2B8E-FAA6-D5BE-E45694F103DF}"/>
+                <a16:creationId xmlns:a16="http://schemas.microsoft.com/office/drawing/2014/main" id="{8086BB20-548B-595B-E512-5A615B471CF7}"/>
               </a:ext>
             </a:extLst>
           </p:cNvPr>
@@ -7382,170 +7526,15 @@
           <a:p>
             <a:r>
               <a:rPr lang="en-US" dirty="0"/>
-              <a:t>Reproducible Research in Genomics</a:t>
-            </a:r>
-          </a:p>
-        </p:txBody>
-      </p:sp>
-      <p:sp>
-        <p:nvSpPr>
-          <p:cNvPr id="3" name="Content Placeholder 2">
-            <a:extLst>
-              <a:ext uri="{FF2B5EF4-FFF2-40B4-BE49-F238E27FC236}">
-                <a16:creationId xmlns:a16="http://schemas.microsoft.com/office/drawing/2014/main" id="{451C78D1-4E0E-5ACE-ED98-8B3FD2C0E21B}"/>
-              </a:ext>
-            </a:extLst>
-          </p:cNvPr>
-          <p:cNvSpPr>
-            <a:spLocks noGrp="1"/>
-          </p:cNvSpPr>
-          <p:nvPr>
-            <p:ph idx="1"/>
-          </p:nvPr>
-        </p:nvSpPr>
-        <p:spPr>
-          <a:xfrm>
-            <a:off x="838200" y="1690688"/>
-            <a:ext cx="10515600" cy="4943791"/>
-          </a:xfrm>
-        </p:spPr>
-        <p:txBody>
-          <a:bodyPr>
-            <a:normAutofit fontScale="85000" lnSpcReduction="20000"/>
-          </a:bodyPr>
-          <a:lstStyle/>
-          <a:p>
-            <a:r>
-              <a:rPr lang="en-US" dirty="0"/>
-              <a:t>Metadata</a:t>
-            </a:r>
-          </a:p>
-          <a:p>
-            <a:pPr lvl="1"/>
-            <a:r>
-              <a:rPr lang="en-US" dirty="0"/>
-              <a:t>All relevant details about the data</a:t>
-            </a:r>
-          </a:p>
-          <a:p>
-            <a:pPr lvl="1"/>
-            <a:r>
-              <a:rPr lang="en-US" dirty="0"/>
-              <a:t>More details the better</a:t>
-            </a:r>
-          </a:p>
-          <a:p>
-            <a:r>
-              <a:rPr lang="en-US" dirty="0"/>
-              <a:t>Make Code &amp; Software Available</a:t>
-            </a:r>
-          </a:p>
-          <a:p>
-            <a:pPr lvl="1"/>
-            <a:r>
-              <a:rPr lang="en-US" dirty="0"/>
-              <a:t>Software Version</a:t>
-            </a:r>
-          </a:p>
-          <a:p>
-            <a:pPr lvl="1"/>
-            <a:r>
-              <a:rPr lang="en-US" dirty="0"/>
-              <a:t>Arguments and Parameters Used</a:t>
-            </a:r>
-          </a:p>
-          <a:p>
-            <a:pPr lvl="1"/>
-            <a:r>
-              <a:rPr lang="en-US" dirty="0"/>
-              <a:t>Share environment (e.g. </a:t>
-            </a:r>
-            <a:r>
-              <a:rPr lang="en-US" dirty="0" err="1"/>
-              <a:t>conda</a:t>
-            </a:r>
-            <a:r>
-              <a:rPr lang="en-US" dirty="0"/>
-              <a:t> </a:t>
-            </a:r>
-            <a:r>
-              <a:rPr lang="en-US" dirty="0" err="1"/>
-              <a:t>envs</a:t>
-            </a:r>
-            <a:r>
-              <a:rPr lang="en-US" dirty="0"/>
-              <a:t>) if possible</a:t>
-            </a:r>
-          </a:p>
-          <a:p>
-            <a:r>
-              <a:rPr lang="en-US" dirty="0"/>
-              <a:t>Raw Data</a:t>
-            </a:r>
-          </a:p>
-          <a:p>
-            <a:pPr lvl="1"/>
-            <a:r>
-              <a:rPr lang="en-US" dirty="0"/>
-              <a:t>Processed data may propagate errors</a:t>
-            </a:r>
-          </a:p>
-          <a:p>
-            <a:pPr lvl="1"/>
-            <a:r>
-              <a:rPr lang="en-US" dirty="0"/>
-              <a:t>Enables new research questions to be addressed</a:t>
-            </a:r>
-          </a:p>
-          <a:p>
-            <a:pPr lvl="1"/>
-            <a:r>
-              <a:rPr lang="en-US" dirty="0"/>
-              <a:t>Permits new methods to be used on old data</a:t>
-            </a:r>
-          </a:p>
-          <a:p>
-            <a:r>
-              <a:rPr lang="en-US" dirty="0"/>
-              <a:t>Long-term Storage and Distribution</a:t>
-            </a:r>
-          </a:p>
-          <a:p>
-            <a:pPr lvl="1"/>
-            <a:r>
-              <a:rPr lang="en-US" dirty="0"/>
-              <a:t>NCBI &amp; Genomics Databases</a:t>
-            </a:r>
-          </a:p>
-          <a:p>
-            <a:pPr lvl="1"/>
-            <a:r>
-              <a:rPr lang="en-US" dirty="0"/>
-              <a:t>Supplementary Data</a:t>
-            </a:r>
-          </a:p>
-          <a:p>
-            <a:pPr lvl="1"/>
-            <a:r>
-              <a:rPr lang="en-US" dirty="0" err="1"/>
-              <a:t>Github</a:t>
-            </a:r>
-            <a:r>
-              <a:rPr lang="en-US" dirty="0"/>
-              <a:t>, Bitbucket, </a:t>
-            </a:r>
-            <a:r>
-              <a:rPr lang="en-US" dirty="0" err="1"/>
-              <a:t>etc</a:t>
-            </a:r>
-            <a:endParaRPr lang="en-US" dirty="0"/>
+              <a:t>Data Reproducibility</a:t>
+            </a:r>
           </a:p>
         </p:txBody>
       </p:sp>
     </p:spTree>
     <p:extLst>
       <p:ext uri="{BB962C8B-B14F-4D97-AF65-F5344CB8AC3E}">
-        <p14:creationId xmlns:p14="http://schemas.microsoft.com/office/powerpoint/2010/main" val="702464004"/>
+        <p14:creationId xmlns:p14="http://schemas.microsoft.com/office/powerpoint/2010/main" val="598981761"/>
       </p:ext>
     </p:extLst>
   </p:cSld>
@@ -7594,6 +7583,219 @@
           <a:lstStyle/>
           <a:p>
             <a:r>
+              <a:rPr lang="en-US" dirty="0"/>
+              <a:t>Reproducible Research in Genomics</a:t>
+            </a:r>
+          </a:p>
+        </p:txBody>
+      </p:sp>
+      <p:sp>
+        <p:nvSpPr>
+          <p:cNvPr id="3" name="Content Placeholder 2">
+            <a:extLst>
+              <a:ext uri="{FF2B5EF4-FFF2-40B4-BE49-F238E27FC236}">
+                <a16:creationId xmlns:a16="http://schemas.microsoft.com/office/drawing/2014/main" id="{451C78D1-4E0E-5ACE-ED98-8B3FD2C0E21B}"/>
+              </a:ext>
+            </a:extLst>
+          </p:cNvPr>
+          <p:cNvSpPr>
+            <a:spLocks noGrp="1"/>
+          </p:cNvSpPr>
+          <p:nvPr>
+            <p:ph idx="1"/>
+          </p:nvPr>
+        </p:nvSpPr>
+        <p:spPr>
+          <a:xfrm>
+            <a:off x="838200" y="1690688"/>
+            <a:ext cx="10515600" cy="4943791"/>
+          </a:xfrm>
+        </p:spPr>
+        <p:txBody>
+          <a:bodyPr>
+            <a:normAutofit fontScale="85000" lnSpcReduction="20000"/>
+          </a:bodyPr>
+          <a:lstStyle/>
+          <a:p>
+            <a:r>
+              <a:rPr lang="en-US" dirty="0"/>
+              <a:t>Metadata</a:t>
+            </a:r>
+          </a:p>
+          <a:p>
+            <a:pPr lvl="1"/>
+            <a:r>
+              <a:rPr lang="en-US" dirty="0"/>
+              <a:t>All relevant details about the data</a:t>
+            </a:r>
+          </a:p>
+          <a:p>
+            <a:pPr lvl="1"/>
+            <a:r>
+              <a:rPr lang="en-US" dirty="0"/>
+              <a:t>More details the better</a:t>
+            </a:r>
+          </a:p>
+          <a:p>
+            <a:r>
+              <a:rPr lang="en-US" dirty="0"/>
+              <a:t>Make Code &amp; Software Available</a:t>
+            </a:r>
+          </a:p>
+          <a:p>
+            <a:pPr lvl="1"/>
+            <a:r>
+              <a:rPr lang="en-US" dirty="0"/>
+              <a:t>Software Version</a:t>
+            </a:r>
+          </a:p>
+          <a:p>
+            <a:pPr lvl="1"/>
+            <a:r>
+              <a:rPr lang="en-US" dirty="0"/>
+              <a:t>Arguments and Parameters Used</a:t>
+            </a:r>
+          </a:p>
+          <a:p>
+            <a:pPr lvl="1"/>
+            <a:r>
+              <a:rPr lang="en-US" dirty="0"/>
+              <a:t>Share environment (e.g. </a:t>
+            </a:r>
+            <a:r>
+              <a:rPr lang="en-US" dirty="0" err="1"/>
+              <a:t>conda</a:t>
+            </a:r>
+            <a:r>
+              <a:rPr lang="en-US" dirty="0"/>
+              <a:t> </a:t>
+            </a:r>
+            <a:r>
+              <a:rPr lang="en-US" dirty="0" err="1"/>
+              <a:t>envs</a:t>
+            </a:r>
+            <a:r>
+              <a:rPr lang="en-US" dirty="0"/>
+              <a:t>) if possible</a:t>
+            </a:r>
+          </a:p>
+          <a:p>
+            <a:r>
+              <a:rPr lang="en-US" dirty="0"/>
+              <a:t>Raw Data</a:t>
+            </a:r>
+          </a:p>
+          <a:p>
+            <a:pPr lvl="1"/>
+            <a:r>
+              <a:rPr lang="en-US" dirty="0"/>
+              <a:t>Processed data may propagate errors</a:t>
+            </a:r>
+          </a:p>
+          <a:p>
+            <a:pPr lvl="1"/>
+            <a:r>
+              <a:rPr lang="en-US" dirty="0"/>
+              <a:t>Enables new research questions to be addressed</a:t>
+            </a:r>
+          </a:p>
+          <a:p>
+            <a:pPr lvl="1"/>
+            <a:r>
+              <a:rPr lang="en-US" dirty="0"/>
+              <a:t>Permits new methods to be used on old data</a:t>
+            </a:r>
+          </a:p>
+          <a:p>
+            <a:r>
+              <a:rPr lang="en-US" dirty="0"/>
+              <a:t>Long-term Storage and Distribution</a:t>
+            </a:r>
+          </a:p>
+          <a:p>
+            <a:pPr lvl="1"/>
+            <a:r>
+              <a:rPr lang="en-US" dirty="0"/>
+              <a:t>NCBI &amp; Genomics Databases</a:t>
+            </a:r>
+          </a:p>
+          <a:p>
+            <a:pPr lvl="1"/>
+            <a:r>
+              <a:rPr lang="en-US" dirty="0"/>
+              <a:t>Supplementary Data</a:t>
+            </a:r>
+          </a:p>
+          <a:p>
+            <a:pPr lvl="1"/>
+            <a:r>
+              <a:rPr lang="en-US" dirty="0" err="1"/>
+              <a:t>Github</a:t>
+            </a:r>
+            <a:r>
+              <a:rPr lang="en-US" dirty="0"/>
+              <a:t>, Bitbucket, </a:t>
+            </a:r>
+            <a:r>
+              <a:rPr lang="en-US" dirty="0" err="1"/>
+              <a:t>etc</a:t>
+            </a:r>
+            <a:endParaRPr lang="en-US" dirty="0"/>
+          </a:p>
+        </p:txBody>
+      </p:sp>
+    </p:spTree>
+    <p:extLst>
+      <p:ext uri="{BB962C8B-B14F-4D97-AF65-F5344CB8AC3E}">
+        <p14:creationId xmlns:p14="http://schemas.microsoft.com/office/powerpoint/2010/main" val="702464004"/>
+      </p:ext>
+    </p:extLst>
+  </p:cSld>
+  <p:clrMapOvr>
+    <a:masterClrMapping/>
+  </p:clrMapOvr>
+</p:sld>
+</file>
+
+<file path=ppt/slides/slide22.xml><?xml version="1.0" encoding="utf-8"?>
+<p:sld xmlns:a="http://schemas.openxmlformats.org/drawingml/2006/main" xmlns:r="http://schemas.openxmlformats.org/officeDocument/2006/relationships" xmlns:p="http://schemas.openxmlformats.org/presentationml/2006/main">
+  <p:cSld>
+    <p:spTree>
+      <p:nvGrpSpPr>
+        <p:cNvPr id="1" name=""/>
+        <p:cNvGrpSpPr/>
+        <p:nvPr/>
+      </p:nvGrpSpPr>
+      <p:grpSpPr>
+        <a:xfrm>
+          <a:off x="0" y="0"/>
+          <a:ext cx="0" cy="0"/>
+          <a:chOff x="0" y="0"/>
+          <a:chExt cx="0" cy="0"/>
+        </a:xfrm>
+      </p:grpSpPr>
+      <p:sp>
+        <p:nvSpPr>
+          <p:cNvPr id="2" name="Title 1">
+            <a:extLst>
+              <a:ext uri="{FF2B5EF4-FFF2-40B4-BE49-F238E27FC236}">
+                <a16:creationId xmlns:a16="http://schemas.microsoft.com/office/drawing/2014/main" id="{EF143DB6-2B8E-FAA6-D5BE-E45694F103DF}"/>
+              </a:ext>
+            </a:extLst>
+          </p:cNvPr>
+          <p:cNvSpPr>
+            <a:spLocks noGrp="1"/>
+          </p:cNvSpPr>
+          <p:nvPr>
+            <p:ph type="title"/>
+          </p:nvPr>
+        </p:nvSpPr>
+        <p:spPr/>
+        <p:txBody>
+          <a:bodyPr/>
+          <a:lstStyle/>
+          <a:p>
+            <a:r>
               <a:rPr lang="en-US" dirty="0" err="1"/>
               <a:t>Github</a:t>
             </a:r>
@@ -7716,7 +7918,7 @@
 </p:sld>
 </file>
 
-<file path=ppt/slides/slide22.xml><?xml version="1.0" encoding="utf-8"?>
+<file path=ppt/slides/slide23.xml><?xml version="1.0" encoding="utf-8"?>
 <p:sld xmlns:a="http://schemas.openxmlformats.org/drawingml/2006/main" xmlns:r="http://schemas.openxmlformats.org/officeDocument/2006/relationships" xmlns:p="http://schemas.openxmlformats.org/presentationml/2006/main">
   <p:cSld>
     <p:spTree>

--- a/lab_lectures/lab1/Lab1_UNIX_Clusters_&_Reproducibility.pptx
+++ b/lab_lectures/lab1/Lab1_UNIX_Clusters_&_Reproducibility.pptx
@@ -5,7 +5,7 @@
     <p:sldMasterId id="2147483648" r:id="rId1"/>
   </p:sldMasterIdLst>
   <p:notesMasterIdLst>
-    <p:notesMasterId r:id="rId25"/>
+    <p:notesMasterId r:id="rId26"/>
   </p:notesMasterIdLst>
   <p:sldIdLst>
     <p:sldId id="256" r:id="rId2"/>
@@ -18,19 +18,20 @@
     <p:sldId id="276" r:id="rId9"/>
     <p:sldId id="278" r:id="rId10"/>
     <p:sldId id="279" r:id="rId11"/>
-    <p:sldId id="264" r:id="rId12"/>
-    <p:sldId id="265" r:id="rId13"/>
-    <p:sldId id="258" r:id="rId14"/>
-    <p:sldId id="267" r:id="rId15"/>
-    <p:sldId id="266" r:id="rId16"/>
-    <p:sldId id="268" r:id="rId17"/>
-    <p:sldId id="259" r:id="rId18"/>
-    <p:sldId id="274" r:id="rId19"/>
-    <p:sldId id="273" r:id="rId20"/>
-    <p:sldId id="260" r:id="rId21"/>
-    <p:sldId id="261" r:id="rId22"/>
-    <p:sldId id="262" r:id="rId23"/>
-    <p:sldId id="269" r:id="rId24"/>
+    <p:sldId id="280" r:id="rId12"/>
+    <p:sldId id="264" r:id="rId13"/>
+    <p:sldId id="265" r:id="rId14"/>
+    <p:sldId id="258" r:id="rId15"/>
+    <p:sldId id="267" r:id="rId16"/>
+    <p:sldId id="266" r:id="rId17"/>
+    <p:sldId id="268" r:id="rId18"/>
+    <p:sldId id="259" r:id="rId19"/>
+    <p:sldId id="274" r:id="rId20"/>
+    <p:sldId id="273" r:id="rId21"/>
+    <p:sldId id="260" r:id="rId22"/>
+    <p:sldId id="261" r:id="rId23"/>
+    <p:sldId id="262" r:id="rId24"/>
+    <p:sldId id="269" r:id="rId25"/>
   </p:sldIdLst>
   <p:sldSz cx="12192000" cy="6858000"/>
   <p:notesSz cx="6858000" cy="9144000"/>
@@ -142,7 +143,7 @@
   <pc:docChgLst>
     <pc:chgData name="Niederhuth, Chad" userId="dc65ded4-7150-447e-a49f-d8107899216f" providerId="ADAL" clId="{0907C3BB-43FC-F04A-91F6-97AC428D886D}"/>
     <pc:docChg chg="undo custSel addSld modSld sldOrd">
-      <pc:chgData name="Niederhuth, Chad" userId="dc65ded4-7150-447e-a49f-d8107899216f" providerId="ADAL" clId="{0907C3BB-43FC-F04A-91F6-97AC428D886D}" dt="2022-08-02T18:57:20.141" v="2866" actId="20577"/>
+      <pc:chgData name="Niederhuth, Chad" userId="dc65ded4-7150-447e-a49f-d8107899216f" providerId="ADAL" clId="{0907C3BB-43FC-F04A-91F6-97AC428D886D}" dt="2022-08-16T16:47:48.042" v="3325" actId="20577"/>
       <pc:docMkLst>
         <pc:docMk/>
       </pc:docMkLst>
@@ -264,6 +265,29 @@
             <pc:docMk/>
             <pc:sldMk cId="1914649349" sldId="268"/>
             <ac:spMk id="3" creationId="{451C78D1-4E0E-5ACE-ED98-8B3FD2C0E21B}"/>
+          </ac:spMkLst>
+        </pc:spChg>
+      </pc:sldChg>
+      <pc:sldChg chg="modSp add mod">
+        <pc:chgData name="Niederhuth, Chad" userId="dc65ded4-7150-447e-a49f-d8107899216f" providerId="ADAL" clId="{0907C3BB-43FC-F04A-91F6-97AC428D886D}" dt="2022-08-16T16:47:48.042" v="3325" actId="20577"/>
+        <pc:sldMkLst>
+          <pc:docMk/>
+          <pc:sldMk cId="2507453166" sldId="280"/>
+        </pc:sldMkLst>
+        <pc:spChg chg="mod">
+          <ac:chgData name="Niederhuth, Chad" userId="dc65ded4-7150-447e-a49f-d8107899216f" providerId="ADAL" clId="{0907C3BB-43FC-F04A-91F6-97AC428D886D}" dt="2022-08-16T16:43:02.192" v="2937" actId="20577"/>
+          <ac:spMkLst>
+            <pc:docMk/>
+            <pc:sldMk cId="2507453166" sldId="280"/>
+            <ac:spMk id="2" creationId="{419E8C89-06A8-E5E6-1605-743B428E240A}"/>
+          </ac:spMkLst>
+        </pc:spChg>
+        <pc:spChg chg="mod">
+          <ac:chgData name="Niederhuth, Chad" userId="dc65ded4-7150-447e-a49f-d8107899216f" providerId="ADAL" clId="{0907C3BB-43FC-F04A-91F6-97AC428D886D}" dt="2022-08-16T16:47:48.042" v="3325" actId="20577"/>
+          <ac:spMkLst>
+            <pc:docMk/>
+            <pc:sldMk cId="2507453166" sldId="280"/>
+            <ac:spMk id="3" creationId="{F2E41BD1-8721-346D-42AC-534D579BBCDF}"/>
           </ac:spMkLst>
         </pc:spChg>
       </pc:sldChg>
@@ -1117,7 +1141,7 @@
           <a:p>
             <a:fld id="{368661A9-87D1-A242-9685-D4672A9807B3}" type="datetimeFigureOut">
               <a:rPr lang="en-US" smtClean="0"/>
-              <a:t>8/3/22</a:t>
+              <a:t>8/16/22</a:t>
             </a:fld>
             <a:endParaRPr lang="en-US"/>
           </a:p>
@@ -1701,7 +1725,7 @@
           <a:p>
             <a:fld id="{D7024998-7359-E446-A02C-AC5BFC9AF163}" type="slidenum">
               <a:rPr lang="en-US" smtClean="0"/>
-              <a:t>13</a:t>
+              <a:t>14</a:t>
             </a:fld>
             <a:endParaRPr lang="en-US"/>
           </a:p>
@@ -1867,7 +1891,7 @@
           <a:p>
             <a:fld id="{2C70E666-6773-E14E-98F4-43CEF85D231C}" type="datetimeFigureOut">
               <a:rPr lang="en-US" smtClean="0"/>
-              <a:t>8/3/22</a:t>
+              <a:t>8/16/22</a:t>
             </a:fld>
             <a:endParaRPr lang="en-US"/>
           </a:p>
@@ -2065,7 +2089,7 @@
           <a:p>
             <a:fld id="{2C70E666-6773-E14E-98F4-43CEF85D231C}" type="datetimeFigureOut">
               <a:rPr lang="en-US" smtClean="0"/>
-              <a:t>8/3/22</a:t>
+              <a:t>8/16/22</a:t>
             </a:fld>
             <a:endParaRPr lang="en-US"/>
           </a:p>
@@ -2273,7 +2297,7 @@
           <a:p>
             <a:fld id="{2C70E666-6773-E14E-98F4-43CEF85D231C}" type="datetimeFigureOut">
               <a:rPr lang="en-US" smtClean="0"/>
-              <a:t>8/3/22</a:t>
+              <a:t>8/16/22</a:t>
             </a:fld>
             <a:endParaRPr lang="en-US"/>
           </a:p>
@@ -2471,7 +2495,7 @@
           <a:p>
             <a:fld id="{2C70E666-6773-E14E-98F4-43CEF85D231C}" type="datetimeFigureOut">
               <a:rPr lang="en-US" smtClean="0"/>
-              <a:t>8/3/22</a:t>
+              <a:t>8/16/22</a:t>
             </a:fld>
             <a:endParaRPr lang="en-US"/>
           </a:p>
@@ -2746,7 +2770,7 @@
           <a:p>
             <a:fld id="{2C70E666-6773-E14E-98F4-43CEF85D231C}" type="datetimeFigureOut">
               <a:rPr lang="en-US" smtClean="0"/>
-              <a:t>8/3/22</a:t>
+              <a:t>8/16/22</a:t>
             </a:fld>
             <a:endParaRPr lang="en-US"/>
           </a:p>
@@ -3011,7 +3035,7 @@
           <a:p>
             <a:fld id="{2C70E666-6773-E14E-98F4-43CEF85D231C}" type="datetimeFigureOut">
               <a:rPr lang="en-US" smtClean="0"/>
-              <a:t>8/3/22</a:t>
+              <a:t>8/16/22</a:t>
             </a:fld>
             <a:endParaRPr lang="en-US"/>
           </a:p>
@@ -3423,7 +3447,7 @@
           <a:p>
             <a:fld id="{2C70E666-6773-E14E-98F4-43CEF85D231C}" type="datetimeFigureOut">
               <a:rPr lang="en-US" smtClean="0"/>
-              <a:t>8/3/22</a:t>
+              <a:t>8/16/22</a:t>
             </a:fld>
             <a:endParaRPr lang="en-US"/>
           </a:p>
@@ -3564,7 +3588,7 @@
           <a:p>
             <a:fld id="{2C70E666-6773-E14E-98F4-43CEF85D231C}" type="datetimeFigureOut">
               <a:rPr lang="en-US" smtClean="0"/>
-              <a:t>8/3/22</a:t>
+              <a:t>8/16/22</a:t>
             </a:fld>
             <a:endParaRPr lang="en-US"/>
           </a:p>
@@ -3677,7 +3701,7 @@
           <a:p>
             <a:fld id="{2C70E666-6773-E14E-98F4-43CEF85D231C}" type="datetimeFigureOut">
               <a:rPr lang="en-US" smtClean="0"/>
-              <a:t>8/3/22</a:t>
+              <a:t>8/16/22</a:t>
             </a:fld>
             <a:endParaRPr lang="en-US"/>
           </a:p>
@@ -3988,7 +4012,7 @@
           <a:p>
             <a:fld id="{2C70E666-6773-E14E-98F4-43CEF85D231C}" type="datetimeFigureOut">
               <a:rPr lang="en-US" smtClean="0"/>
-              <a:t>8/3/22</a:t>
+              <a:t>8/16/22</a:t>
             </a:fld>
             <a:endParaRPr lang="en-US"/>
           </a:p>
@@ -4276,7 +4300,7 @@
           <a:p>
             <a:fld id="{2C70E666-6773-E14E-98F4-43CEF85D231C}" type="datetimeFigureOut">
               <a:rPr lang="en-US" smtClean="0"/>
-              <a:t>8/3/22</a:t>
+              <a:t>8/16/22</a:t>
             </a:fld>
             <a:endParaRPr lang="en-US"/>
           </a:p>
@@ -4517,7 +4541,7 @@
           <a:p>
             <a:fld id="{2C70E666-6773-E14E-98F4-43CEF85D231C}" type="datetimeFigureOut">
               <a:rPr lang="en-US" smtClean="0"/>
-              <a:t>8/3/22</a:t>
+              <a:t>8/16/22</a:t>
             </a:fld>
             <a:endParaRPr lang="en-US"/>
           </a:p>
@@ -5203,7 +5227,7 @@
           <p:cNvPr id="2" name="Title 1">
             <a:extLst>
               <a:ext uri="{FF2B5EF4-FFF2-40B4-BE49-F238E27FC236}">
-                <a16:creationId xmlns:a16="http://schemas.microsoft.com/office/drawing/2014/main" id="{8086BB20-548B-595B-E512-5A615B471CF7}"/>
+                <a16:creationId xmlns:a16="http://schemas.microsoft.com/office/drawing/2014/main" id="{419E8C89-06A8-E5E6-1605-743B428E240A}"/>
               </a:ext>
             </a:extLst>
           </p:cNvPr>
@@ -5221,7 +5245,197 @@
           <a:p>
             <a:r>
               <a:rPr lang="en-US" dirty="0"/>
-              <a:t>Working on Remote Clusters</a:t>
+              <a:t>File Transfer</a:t>
+            </a:r>
+          </a:p>
+        </p:txBody>
+      </p:sp>
+      <p:sp>
+        <p:nvSpPr>
+          <p:cNvPr id="3" name="Content Placeholder 2">
+            <a:extLst>
+              <a:ext uri="{FF2B5EF4-FFF2-40B4-BE49-F238E27FC236}">
+                <a16:creationId xmlns:a16="http://schemas.microsoft.com/office/drawing/2014/main" id="{F2E41BD1-8721-346D-42AC-534D579BBCDF}"/>
+              </a:ext>
+            </a:extLst>
+          </p:cNvPr>
+          <p:cNvSpPr>
+            <a:spLocks noGrp="1"/>
+          </p:cNvSpPr>
+          <p:nvPr>
+            <p:ph idx="1"/>
+          </p:nvPr>
+        </p:nvSpPr>
+        <p:spPr>
+          <a:xfrm>
+            <a:off x="838200" y="1969477"/>
+            <a:ext cx="10515600" cy="4599998"/>
+          </a:xfrm>
+        </p:spPr>
+        <p:txBody>
+          <a:bodyPr>
+            <a:normAutofit fontScale="92500" lnSpcReduction="10000"/>
+          </a:bodyPr>
+          <a:lstStyle/>
+          <a:p>
+            <a:r>
+              <a:rPr lang="en-US" dirty="0"/>
+              <a:t>sftp</a:t>
+            </a:r>
+          </a:p>
+          <a:p>
+            <a:pPr lvl="1"/>
+            <a:r>
+              <a:rPr lang="en-US" dirty="0"/>
+              <a:t>secure file transfer protocol</a:t>
+            </a:r>
+          </a:p>
+          <a:p>
+            <a:pPr lvl="1"/>
+            <a:r>
+              <a:rPr lang="en-US" dirty="0"/>
+              <a:t>Details: </a:t>
+            </a:r>
+            <a:r>
+              <a:rPr lang="en-US" dirty="0">
+                <a:hlinkClick r:id="rId2"/>
+              </a:rPr>
+              <a:t>https://www.geeksforgeeks.org</a:t>
+            </a:r>
+            <a:r>
+              <a:rPr lang="en-US">
+                <a:hlinkClick r:id="rId2"/>
+              </a:rPr>
+              <a:t>/sftp-file-transfer-protocol/</a:t>
+            </a:r>
+            <a:r>
+              <a:rPr lang="en-US"/>
+              <a:t> </a:t>
+            </a:r>
+            <a:endParaRPr lang="en-US" dirty="0"/>
+          </a:p>
+          <a:p>
+            <a:pPr lvl="1"/>
+            <a:r>
+              <a:rPr lang="en-US" dirty="0">
+                <a:solidFill>
+                  <a:srgbClr val="FF0000"/>
+                </a:solidFill>
+              </a:rPr>
+              <a:t>sftp &lt;username&gt;@</a:t>
+            </a:r>
+            <a:r>
+              <a:rPr lang="en-US" dirty="0" err="1">
+                <a:solidFill>
+                  <a:srgbClr val="FF0000"/>
+                </a:solidFill>
+              </a:rPr>
+              <a:t>hpcc.msu.edu</a:t>
+            </a:r>
+            <a:endParaRPr lang="en-US" dirty="0">
+              <a:solidFill>
+                <a:srgbClr val="FF0000"/>
+              </a:solidFill>
+            </a:endParaRPr>
+          </a:p>
+          <a:p>
+            <a:pPr lvl="2"/>
+            <a:r>
+              <a:rPr lang="en-US" dirty="0"/>
+              <a:t>login into cluster with sftp</a:t>
+            </a:r>
+          </a:p>
+          <a:p>
+            <a:pPr lvl="1"/>
+            <a:r>
+              <a:rPr lang="en-US" dirty="0">
+                <a:solidFill>
+                  <a:srgbClr val="FF0000"/>
+                </a:solidFill>
+              </a:rPr>
+              <a:t>put file1</a:t>
+            </a:r>
+          </a:p>
+          <a:p>
+            <a:pPr lvl="2"/>
+            <a:r>
+              <a:rPr lang="en-US" dirty="0"/>
+              <a:t>upload a file from your computer onto the cluster</a:t>
+            </a:r>
+          </a:p>
+          <a:p>
+            <a:pPr lvl="1"/>
+            <a:r>
+              <a:rPr lang="en-US" dirty="0">
+                <a:solidFill>
+                  <a:srgbClr val="FF0000"/>
+                </a:solidFill>
+              </a:rPr>
+              <a:t>get file2</a:t>
+            </a:r>
+          </a:p>
+          <a:p>
+            <a:pPr lvl="2"/>
+            <a:r>
+              <a:rPr lang="en-US" dirty="0"/>
+              <a:t>download a file from the cluster to your computer</a:t>
+            </a:r>
+          </a:p>
+          <a:p>
+            <a:r>
+              <a:rPr lang="en-US" dirty="0" err="1"/>
+              <a:t>wget</a:t>
+            </a:r>
+            <a:endParaRPr lang="en-US" dirty="0"/>
+          </a:p>
+          <a:p>
+            <a:pPr lvl="1"/>
+            <a:r>
+              <a:rPr lang="en-US" dirty="0" err="1">
+                <a:solidFill>
+                  <a:srgbClr val="FF0000"/>
+                </a:solidFill>
+              </a:rPr>
+              <a:t>wget</a:t>
+            </a:r>
+            <a:r>
+              <a:rPr lang="en-US" dirty="0">
+                <a:solidFill>
+                  <a:srgbClr val="FF0000"/>
+                </a:solidFill>
+              </a:rPr>
+              <a:t> &lt;link to file&gt;</a:t>
+            </a:r>
+          </a:p>
+          <a:p>
+            <a:pPr lvl="1"/>
+            <a:r>
+              <a:rPr lang="en-US" dirty="0"/>
+              <a:t>can be used to download files from web</a:t>
+            </a:r>
+          </a:p>
+          <a:p>
+            <a:pPr lvl="1"/>
+            <a:r>
+              <a:rPr lang="en-US" dirty="0"/>
+              <a:t>Also see curl: </a:t>
+            </a:r>
+            <a:r>
+              <a:rPr lang="en-US" dirty="0">
+                <a:solidFill>
+                  <a:srgbClr val="FF0000"/>
+                </a:solidFill>
+                <a:hlinkClick r:id="rId3"/>
+              </a:rPr>
+              <a:t>https://curl.se</a:t>
+            </a:r>
+            <a:r>
+              <a:rPr lang="en-US" dirty="0">
+                <a:solidFill>
+                  <a:srgbClr val="FF0000"/>
+                </a:solidFill>
+              </a:rPr>
+              <a:t> </a:t>
             </a:r>
           </a:p>
         </p:txBody>
@@ -5229,7 +5443,7 @@
     </p:spTree>
     <p:extLst>
       <p:ext uri="{BB962C8B-B14F-4D97-AF65-F5344CB8AC3E}">
-        <p14:creationId xmlns:p14="http://schemas.microsoft.com/office/powerpoint/2010/main" val="1352159887"/>
+        <p14:creationId xmlns:p14="http://schemas.microsoft.com/office/powerpoint/2010/main" val="2507453166"/>
       </p:ext>
     </p:extLst>
   </p:cSld>
@@ -5261,6 +5475,64 @@
           <p:cNvPr id="2" name="Title 1">
             <a:extLst>
               <a:ext uri="{FF2B5EF4-FFF2-40B4-BE49-F238E27FC236}">
+                <a16:creationId xmlns:a16="http://schemas.microsoft.com/office/drawing/2014/main" id="{8086BB20-548B-595B-E512-5A615B471CF7}"/>
+              </a:ext>
+            </a:extLst>
+          </p:cNvPr>
+          <p:cNvSpPr>
+            <a:spLocks noGrp="1"/>
+          </p:cNvSpPr>
+          <p:nvPr>
+            <p:ph type="title"/>
+          </p:nvPr>
+        </p:nvSpPr>
+        <p:spPr/>
+        <p:txBody>
+          <a:bodyPr/>
+          <a:lstStyle/>
+          <a:p>
+            <a:r>
+              <a:rPr lang="en-US" dirty="0"/>
+              <a:t>Working on Remote Clusters</a:t>
+            </a:r>
+          </a:p>
+        </p:txBody>
+      </p:sp>
+    </p:spTree>
+    <p:extLst>
+      <p:ext uri="{BB962C8B-B14F-4D97-AF65-F5344CB8AC3E}">
+        <p14:creationId xmlns:p14="http://schemas.microsoft.com/office/powerpoint/2010/main" val="1352159887"/>
+      </p:ext>
+    </p:extLst>
+  </p:cSld>
+  <p:clrMapOvr>
+    <a:masterClrMapping/>
+  </p:clrMapOvr>
+</p:sld>
+</file>
+
+<file path=ppt/slides/slide13.xml><?xml version="1.0" encoding="utf-8"?>
+<p:sld xmlns:a="http://schemas.openxmlformats.org/drawingml/2006/main" xmlns:r="http://schemas.openxmlformats.org/officeDocument/2006/relationships" xmlns:p="http://schemas.openxmlformats.org/presentationml/2006/main">
+  <p:cSld>
+    <p:spTree>
+      <p:nvGrpSpPr>
+        <p:cNvPr id="1" name=""/>
+        <p:cNvGrpSpPr/>
+        <p:nvPr/>
+      </p:nvGrpSpPr>
+      <p:grpSpPr>
+        <a:xfrm>
+          <a:off x="0" y="0"/>
+          <a:ext cx="0" cy="0"/>
+          <a:chOff x="0" y="0"/>
+          <a:chExt cx="0" cy="0"/>
+        </a:xfrm>
+      </p:grpSpPr>
+      <p:sp>
+        <p:nvSpPr>
+          <p:cNvPr id="2" name="Title 1">
+            <a:extLst>
+              <a:ext uri="{FF2B5EF4-FFF2-40B4-BE49-F238E27FC236}">
                 <a16:creationId xmlns:a16="http://schemas.microsoft.com/office/drawing/2014/main" id="{7FB6B268-FF9E-7F5A-7338-5513B95C2015}"/>
               </a:ext>
             </a:extLst>
@@ -5479,7 +5751,7 @@
 </p:sld>
 </file>
 
-<file path=ppt/slides/slide13.xml><?xml version="1.0" encoding="utf-8"?>
+<file path=ppt/slides/slide14.xml><?xml version="1.0" encoding="utf-8"?>
 <p:sld xmlns:a="http://schemas.openxmlformats.org/drawingml/2006/main" xmlns:r="http://schemas.openxmlformats.org/officeDocument/2006/relationships" xmlns:p="http://schemas.openxmlformats.org/presentationml/2006/main">
   <p:cSld>
     <p:spTree>
@@ -5770,216 +6042,6 @@
 </p:sld>
 </file>
 
-<file path=ppt/slides/slide14.xml><?xml version="1.0" encoding="utf-8"?>
-<p:sld xmlns:a="http://schemas.openxmlformats.org/drawingml/2006/main" xmlns:r="http://schemas.openxmlformats.org/officeDocument/2006/relationships" xmlns:p="http://schemas.openxmlformats.org/presentationml/2006/main">
-  <p:cSld>
-    <p:spTree>
-      <p:nvGrpSpPr>
-        <p:cNvPr id="1" name=""/>
-        <p:cNvGrpSpPr/>
-        <p:nvPr/>
-      </p:nvGrpSpPr>
-      <p:grpSpPr>
-        <a:xfrm>
-          <a:off x="0" y="0"/>
-          <a:ext cx="0" cy="0"/>
-          <a:chOff x="0" y="0"/>
-          <a:chExt cx="0" cy="0"/>
-        </a:xfrm>
-      </p:grpSpPr>
-      <p:sp>
-        <p:nvSpPr>
-          <p:cNvPr id="2" name="Title 1">
-            <a:extLst>
-              <a:ext uri="{FF2B5EF4-FFF2-40B4-BE49-F238E27FC236}">
-                <a16:creationId xmlns:a16="http://schemas.microsoft.com/office/drawing/2014/main" id="{EF143DB6-2B8E-FAA6-D5BE-E45694F103DF}"/>
-              </a:ext>
-            </a:extLst>
-          </p:cNvPr>
-          <p:cNvSpPr>
-            <a:spLocks noGrp="1"/>
-          </p:cNvSpPr>
-          <p:nvPr>
-            <p:ph type="title"/>
-          </p:nvPr>
-        </p:nvSpPr>
-        <p:spPr/>
-        <p:txBody>
-          <a:bodyPr/>
-          <a:lstStyle/>
-          <a:p>
-            <a:r>
-              <a:rPr lang="en-US" dirty="0"/>
-              <a:t>HPCC Installed Software</a:t>
-            </a:r>
-          </a:p>
-        </p:txBody>
-      </p:sp>
-      <p:sp>
-        <p:nvSpPr>
-          <p:cNvPr id="3" name="Content Placeholder 2">
-            <a:extLst>
-              <a:ext uri="{FF2B5EF4-FFF2-40B4-BE49-F238E27FC236}">
-                <a16:creationId xmlns:a16="http://schemas.microsoft.com/office/drawing/2014/main" id="{451C78D1-4E0E-5ACE-ED98-8B3FD2C0E21B}"/>
-              </a:ext>
-            </a:extLst>
-          </p:cNvPr>
-          <p:cNvSpPr>
-            <a:spLocks noGrp="1"/>
-          </p:cNvSpPr>
-          <p:nvPr>
-            <p:ph idx="1"/>
-          </p:nvPr>
-        </p:nvSpPr>
-        <p:spPr>
-          <a:xfrm>
-            <a:off x="838200" y="1825624"/>
-            <a:ext cx="10515600" cy="4788535"/>
-          </a:xfrm>
-        </p:spPr>
-        <p:txBody>
-          <a:bodyPr>
-            <a:normAutofit lnSpcReduction="10000"/>
-          </a:bodyPr>
-          <a:lstStyle/>
-          <a:p>
-            <a:r>
-              <a:rPr lang="en-US" dirty="0"/>
-              <a:t>HPCC has a lot of installed software</a:t>
-            </a:r>
-          </a:p>
-          <a:p>
-            <a:pPr lvl="1"/>
-            <a:r>
-              <a:rPr lang="en-US" dirty="0"/>
-              <a:t>Advantage: Installed with all dependencies</a:t>
-            </a:r>
-          </a:p>
-          <a:p>
-            <a:pPr lvl="1"/>
-            <a:r>
-              <a:rPr lang="en-US" dirty="0"/>
-              <a:t>Disadvantage: Not always the most up to date</a:t>
-            </a:r>
-          </a:p>
-          <a:p>
-            <a:pPr lvl="1"/>
-            <a:r>
-              <a:rPr lang="en-US" dirty="0"/>
-              <a:t>Disadvantage: Can’t export/share the environment for reproducibility</a:t>
-            </a:r>
-          </a:p>
-          <a:p>
-            <a:r>
-              <a:rPr lang="en-US" dirty="0"/>
-              <a:t>Installed software can be used with the module loading system</a:t>
-            </a:r>
-          </a:p>
-          <a:p>
-            <a:pPr lvl="1"/>
-            <a:r>
-              <a:rPr lang="en-US" dirty="0"/>
-              <a:t>Documentation: </a:t>
-            </a:r>
-            <a:r>
-              <a:rPr lang="en-US" dirty="0">
-                <a:hlinkClick r:id="rId2"/>
-              </a:rPr>
-              <a:t>https://docs.icer.msu.edu/How_to_find_and_load_software_modules/</a:t>
-            </a:r>
-            <a:r>
-              <a:rPr lang="en-US" dirty="0"/>
-              <a:t> </a:t>
-            </a:r>
-          </a:p>
-          <a:p>
-            <a:pPr lvl="1"/>
-            <a:r>
-              <a:rPr lang="en-US" dirty="0">
-                <a:solidFill>
-                  <a:srgbClr val="FF0000"/>
-                </a:solidFill>
-              </a:rPr>
-              <a:t>module spider </a:t>
-            </a:r>
-            <a:r>
-              <a:rPr lang="en-US" dirty="0" err="1">
-                <a:solidFill>
-                  <a:srgbClr val="FF0000"/>
-                </a:solidFill>
-              </a:rPr>
-              <a:t>sra</a:t>
-            </a:r>
-            <a:endParaRPr lang="en-US" dirty="0"/>
-          </a:p>
-          <a:p>
-            <a:pPr lvl="2"/>
-            <a:r>
-              <a:rPr lang="en-US" dirty="0"/>
-              <a:t>Search for modules with “</a:t>
-            </a:r>
-            <a:r>
-              <a:rPr lang="en-US" dirty="0" err="1"/>
-              <a:t>sra</a:t>
-            </a:r>
-            <a:r>
-              <a:rPr lang="en-US" dirty="0"/>
-              <a:t>”</a:t>
-            </a:r>
-          </a:p>
-          <a:p>
-            <a:pPr lvl="1"/>
-            <a:r>
-              <a:rPr lang="en-US" dirty="0">
-                <a:solidFill>
-                  <a:srgbClr val="FF0000"/>
-                </a:solidFill>
-              </a:rPr>
-              <a:t>module load SRA-Toolkit/2.10.7-centos_linux64</a:t>
-            </a:r>
-            <a:endParaRPr lang="en-US" dirty="0"/>
-          </a:p>
-          <a:p>
-            <a:pPr lvl="2"/>
-            <a:r>
-              <a:rPr lang="en-US" dirty="0"/>
-              <a:t>Load the SRA Toolkit module</a:t>
-            </a:r>
-          </a:p>
-          <a:p>
-            <a:pPr lvl="1"/>
-            <a:r>
-              <a:rPr lang="en-US" dirty="0">
-                <a:solidFill>
-                  <a:srgbClr val="FF0000"/>
-                </a:solidFill>
-              </a:rPr>
-              <a:t>module unload SRA-Toolkit/2.10.7-centos_linux64</a:t>
-            </a:r>
-            <a:endParaRPr lang="en-US" dirty="0"/>
-          </a:p>
-          <a:p>
-            <a:pPr lvl="2"/>
-            <a:r>
-              <a:rPr lang="en-US" dirty="0"/>
-              <a:t>Unload the SRA Toolkit module</a:t>
-            </a:r>
-          </a:p>
-        </p:txBody>
-      </p:sp>
-    </p:spTree>
-    <p:extLst>
-      <p:ext uri="{BB962C8B-B14F-4D97-AF65-F5344CB8AC3E}">
-        <p14:creationId xmlns:p14="http://schemas.microsoft.com/office/powerpoint/2010/main" val="2193329759"/>
-      </p:ext>
-    </p:extLst>
-  </p:cSld>
-  <p:clrMapOvr>
-    <a:masterClrMapping/>
-  </p:clrMapOvr>
-</p:sld>
-</file>
-
 <file path=ppt/slides/slide15.xml><?xml version="1.0" encoding="utf-8"?>
 <p:sld xmlns:a="http://schemas.openxmlformats.org/drawingml/2006/main" xmlns:r="http://schemas.openxmlformats.org/officeDocument/2006/relationships" xmlns:p="http://schemas.openxmlformats.org/presentationml/2006/main">
   <p:cSld>
@@ -6020,13 +6082,8 @@
           <a:p>
             <a:r>
               <a:rPr lang="en-US" dirty="0"/>
-              <a:t>Installing Software - </a:t>
-            </a:r>
-            <a:r>
-              <a:rPr lang="en-US" dirty="0" err="1"/>
-              <a:t>Conda</a:t>
-            </a:r>
-            <a:endParaRPr lang="en-US" dirty="0"/>
+              <a:t>HPCC Installed Software</a:t>
+            </a:r>
           </a:p>
         </p:txBody>
       </p:sp>
@@ -6049,28 +6106,58 @@
         <p:spPr>
           <a:xfrm>
             <a:off x="838200" y="1825624"/>
-            <a:ext cx="10515600" cy="4758055"/>
+            <a:ext cx="10515600" cy="4788535"/>
           </a:xfrm>
         </p:spPr>
         <p:txBody>
           <a:bodyPr>
-            <a:normAutofit fontScale="85000" lnSpcReduction="20000"/>
+            <a:normAutofit lnSpcReduction="10000"/>
           </a:bodyPr>
           <a:lstStyle/>
           <a:p>
             <a:r>
-              <a:rPr lang="en-US" dirty="0" err="1"/>
-              <a:t>Conda</a:t>
-            </a:r>
-            <a:r>
-              <a:rPr lang="en-US" dirty="0"/>
-              <a:t>: </a:t>
+              <a:rPr lang="en-US" dirty="0"/>
+              <a:t>HPCC has a lot of installed software</a:t>
+            </a:r>
+          </a:p>
+          <a:p>
+            <a:pPr lvl="1"/>
+            <a:r>
+              <a:rPr lang="en-US" dirty="0"/>
+              <a:t>Advantage: Installed with all dependencies</a:t>
+            </a:r>
+          </a:p>
+          <a:p>
+            <a:pPr lvl="1"/>
+            <a:r>
+              <a:rPr lang="en-US" dirty="0"/>
+              <a:t>Disadvantage: Not always the most up to date</a:t>
+            </a:r>
+          </a:p>
+          <a:p>
+            <a:pPr lvl="1"/>
+            <a:r>
+              <a:rPr lang="en-US" dirty="0"/>
+              <a:t>Disadvantage: Can’t export/share the environment for reproducibility</a:t>
+            </a:r>
+          </a:p>
+          <a:p>
+            <a:r>
+              <a:rPr lang="en-US" dirty="0"/>
+              <a:t>Installed software can be used with the module loading system</a:t>
+            </a:r>
+          </a:p>
+          <a:p>
+            <a:pPr lvl="1"/>
+            <a:r>
+              <a:rPr lang="en-US" dirty="0"/>
+              <a:t>Documentation: </a:t>
             </a:r>
             <a:r>
               <a:rPr lang="en-US" dirty="0">
                 <a:hlinkClick r:id="rId2"/>
               </a:rPr>
-              <a:t>https://docs.conda.io/en/latest/</a:t>
+              <a:t>https://docs.icer.msu.edu/How_to_find_and_load_software_modules/</a:t>
             </a:r>
             <a:r>
               <a:rPr lang="en-US" dirty="0"/>
@@ -6080,163 +6167,74 @@
           <a:p>
             <a:pPr lvl="1"/>
             <a:r>
-              <a:rPr lang="en-US" dirty="0"/>
-              <a:t>Package manager</a:t>
-            </a:r>
-          </a:p>
-          <a:p>
-            <a:pPr lvl="1"/>
-            <a:r>
-              <a:rPr lang="en-US" dirty="0"/>
-              <a:t>Handles installation, version control, &amp; dependencies</a:t>
-            </a:r>
-          </a:p>
-          <a:p>
-            <a:pPr lvl="1"/>
-            <a:r>
-              <a:rPr lang="en-US" dirty="0"/>
-              <a:t>Enables reproducibility</a:t>
-            </a:r>
-          </a:p>
-          <a:p>
-            <a:pPr lvl="1"/>
-            <a:r>
-              <a:rPr lang="en-US" dirty="0"/>
-              <a:t>Create different self-contained environments for different programs, program versions, and dependencies</a:t>
-            </a:r>
-          </a:p>
-          <a:p>
-            <a:r>
-              <a:rPr lang="en-US" dirty="0"/>
-              <a:t>Anaconda</a:t>
-            </a:r>
-          </a:p>
-          <a:p>
-            <a:pPr lvl="1"/>
-            <a:r>
-              <a:rPr lang="en-US" dirty="0"/>
-              <a:t>Full version of </a:t>
+              <a:rPr lang="en-US" dirty="0">
+                <a:solidFill>
+                  <a:srgbClr val="FF0000"/>
+                </a:solidFill>
+              </a:rPr>
+              <a:t>module spider </a:t>
+            </a:r>
+            <a:r>
+              <a:rPr lang="en-US" dirty="0" err="1">
+                <a:solidFill>
+                  <a:srgbClr val="FF0000"/>
+                </a:solidFill>
+              </a:rPr>
+              <a:t>sra</a:t>
+            </a:r>
+            <a:endParaRPr lang="en-US" dirty="0"/>
+          </a:p>
+          <a:p>
+            <a:pPr lvl="2"/>
+            <a:r>
+              <a:rPr lang="en-US" dirty="0"/>
+              <a:t>Search for modules with “</a:t>
             </a:r>
             <a:r>
               <a:rPr lang="en-US" dirty="0" err="1"/>
-              <a:t>Conda</a:t>
+              <a:t>sra</a:t>
+            </a:r>
+            <a:r>
+              <a:rPr lang="en-US" dirty="0"/>
+              <a:t>”</a:t>
+            </a:r>
+          </a:p>
+          <a:p>
+            <a:pPr lvl="1"/>
+            <a:r>
+              <a:rPr lang="en-US" dirty="0">
+                <a:solidFill>
+                  <a:srgbClr val="FF0000"/>
+                </a:solidFill>
+              </a:rPr>
+              <a:t>module load SRA-Toolkit/2.10.7-centos_linux64</a:t>
             </a:r>
             <a:endParaRPr lang="en-US" dirty="0"/>
           </a:p>
           <a:p>
-            <a:pPr lvl="1"/>
-            <a:r>
-              <a:rPr lang="en-US" dirty="0"/>
-              <a:t>Comes with lots of interactive apps</a:t>
-            </a:r>
-          </a:p>
-          <a:p>
             <a:pPr lvl="2"/>
             <a:r>
               <a:rPr lang="en-US" dirty="0"/>
-              <a:t>These wont work on the cluster, so just hogs memory</a:t>
-            </a:r>
-          </a:p>
-          <a:p>
-            <a:r>
-              <a:rPr lang="en-US" dirty="0" err="1"/>
-              <a:t>Miniconda</a:t>
+              <a:t>Load the SRA Toolkit module</a:t>
+            </a:r>
+          </a:p>
+          <a:p>
+            <a:pPr lvl="1"/>
+            <a:r>
+              <a:rPr lang="en-US" dirty="0">
+                <a:solidFill>
+                  <a:srgbClr val="FF0000"/>
+                </a:solidFill>
+              </a:rPr>
+              <a:t>module unload SRA-Toolkit/2.10.7-centos_linux64</a:t>
             </a:r>
             <a:endParaRPr lang="en-US" dirty="0"/>
           </a:p>
           <a:p>
-            <a:pPr lvl="1"/>
-            <a:r>
-              <a:rPr lang="en-US" dirty="0"/>
-              <a:t>Stripped down version of </a:t>
-            </a:r>
-            <a:r>
-              <a:rPr lang="en-US" dirty="0" err="1"/>
-              <a:t>Conda</a:t>
-            </a:r>
-            <a:r>
-              <a:rPr lang="en-US" dirty="0"/>
-              <a:t>, basics only</a:t>
-            </a:r>
-          </a:p>
-          <a:p>
             <a:pPr lvl="2"/>
             <a:r>
               <a:rPr lang="en-US" dirty="0"/>
-              <a:t>Good for the cluster</a:t>
-            </a:r>
-          </a:p>
-          <a:p>
-            <a:pPr lvl="1"/>
-            <a:r>
-              <a:rPr lang="en-US" dirty="0"/>
-              <a:t>Download: </a:t>
-            </a:r>
-            <a:r>
-              <a:rPr lang="en-US" dirty="0" err="1">
-                <a:solidFill>
-                  <a:srgbClr val="FF0000"/>
-                </a:solidFill>
-              </a:rPr>
-              <a:t>wget</a:t>
-            </a:r>
-            <a:r>
-              <a:rPr lang="en-US" dirty="0">
-                <a:solidFill>
-                  <a:srgbClr val="FF0000"/>
-                </a:solidFill>
-              </a:rPr>
-              <a:t> </a:t>
-            </a:r>
-            <a:r>
-              <a:rPr lang="en-US" dirty="0">
-                <a:solidFill>
-                  <a:srgbClr val="0563C1"/>
-                </a:solidFill>
-                <a:hlinkClick r:id="rId3">
-                  <a:extLst>
-                    <a:ext uri="{A12FA001-AC4F-418D-AE19-62706E023703}">
-                      <ahyp:hlinkClr xmlns:ahyp="http://schemas.microsoft.com/office/drawing/2018/hyperlinkcolor" val="tx"/>
-                    </a:ext>
-                  </a:extLst>
-                </a:hlinkClick>
-              </a:rPr>
-              <a:t>https://repo.anaconda.com/miniconda/Miniconda3-latest-Linux-x86_64.</a:t>
-            </a:r>
-            <a:r>
-              <a:rPr lang="en-US" dirty="0">
-                <a:solidFill>
-                  <a:srgbClr val="FF0000"/>
-                </a:solidFill>
-                <a:hlinkClick r:id="rId3">
-                  <a:extLst>
-                    <a:ext uri="{A12FA001-AC4F-418D-AE19-62706E023703}">
-                      <ahyp:hlinkClr xmlns:ahyp="http://schemas.microsoft.com/office/drawing/2018/hyperlinkcolor" val="tx"/>
-                    </a:ext>
-                  </a:extLst>
-                </a:hlinkClick>
-              </a:rPr>
-              <a:t>sh</a:t>
-            </a:r>
-            <a:endParaRPr lang="en-US" dirty="0">
-              <a:solidFill>
-                <a:srgbClr val="FF0000"/>
-              </a:solidFill>
-            </a:endParaRPr>
-          </a:p>
-          <a:p>
-            <a:pPr lvl="1"/>
-            <a:r>
-              <a:rPr lang="en-US" dirty="0"/>
-              <a:t>Install: </a:t>
-            </a:r>
-            <a:r>
-              <a:rPr lang="en-US" dirty="0">
-                <a:solidFill>
-                  <a:srgbClr val="FF0000"/>
-                </a:solidFill>
-              </a:rPr>
-              <a:t>bash Miniconda3-latest-Linux-x86_64.sh</a:t>
+              <a:t>Unload the SRA Toolkit module</a:t>
             </a:r>
           </a:p>
         </p:txBody>
@@ -6244,7 +6242,7 @@
     </p:spTree>
     <p:extLst>
       <p:ext uri="{BB962C8B-B14F-4D97-AF65-F5344CB8AC3E}">
-        <p14:creationId xmlns:p14="http://schemas.microsoft.com/office/powerpoint/2010/main" val="4029259220"/>
+        <p14:creationId xmlns:p14="http://schemas.microsoft.com/office/powerpoint/2010/main" val="2193329759"/>
       </p:ext>
     </p:extLst>
   </p:cSld>
@@ -6322,6 +6320,280 @@
         </p:nvSpPr>
         <p:spPr>
           <a:xfrm>
+            <a:off x="838200" y="1825624"/>
+            <a:ext cx="10515600" cy="4758055"/>
+          </a:xfrm>
+        </p:spPr>
+        <p:txBody>
+          <a:bodyPr>
+            <a:normAutofit fontScale="85000" lnSpcReduction="20000"/>
+          </a:bodyPr>
+          <a:lstStyle/>
+          <a:p>
+            <a:r>
+              <a:rPr lang="en-US" dirty="0" err="1"/>
+              <a:t>Conda</a:t>
+            </a:r>
+            <a:r>
+              <a:rPr lang="en-US" dirty="0"/>
+              <a:t>: </a:t>
+            </a:r>
+            <a:r>
+              <a:rPr lang="en-US" dirty="0">
+                <a:hlinkClick r:id="rId2"/>
+              </a:rPr>
+              <a:t>https://docs.conda.io/en/latest/</a:t>
+            </a:r>
+            <a:r>
+              <a:rPr lang="en-US" dirty="0"/>
+              <a:t> </a:t>
+            </a:r>
+          </a:p>
+          <a:p>
+            <a:pPr lvl="1"/>
+            <a:r>
+              <a:rPr lang="en-US" dirty="0"/>
+              <a:t>Package manager</a:t>
+            </a:r>
+          </a:p>
+          <a:p>
+            <a:pPr lvl="1"/>
+            <a:r>
+              <a:rPr lang="en-US" dirty="0"/>
+              <a:t>Handles installation, version control, &amp; dependencies</a:t>
+            </a:r>
+          </a:p>
+          <a:p>
+            <a:pPr lvl="1"/>
+            <a:r>
+              <a:rPr lang="en-US" dirty="0"/>
+              <a:t>Enables reproducibility</a:t>
+            </a:r>
+          </a:p>
+          <a:p>
+            <a:pPr lvl="1"/>
+            <a:r>
+              <a:rPr lang="en-US" dirty="0"/>
+              <a:t>Create different self-contained environments for different programs, program versions, and dependencies</a:t>
+            </a:r>
+          </a:p>
+          <a:p>
+            <a:r>
+              <a:rPr lang="en-US" dirty="0"/>
+              <a:t>Anaconda</a:t>
+            </a:r>
+          </a:p>
+          <a:p>
+            <a:pPr lvl="1"/>
+            <a:r>
+              <a:rPr lang="en-US" dirty="0"/>
+              <a:t>Full version of </a:t>
+            </a:r>
+            <a:r>
+              <a:rPr lang="en-US" dirty="0" err="1"/>
+              <a:t>Conda</a:t>
+            </a:r>
+            <a:endParaRPr lang="en-US" dirty="0"/>
+          </a:p>
+          <a:p>
+            <a:pPr lvl="1"/>
+            <a:r>
+              <a:rPr lang="en-US" dirty="0"/>
+              <a:t>Comes with lots of interactive apps</a:t>
+            </a:r>
+          </a:p>
+          <a:p>
+            <a:pPr lvl="2"/>
+            <a:r>
+              <a:rPr lang="en-US" dirty="0"/>
+              <a:t>These wont work on the cluster, so just hogs memory</a:t>
+            </a:r>
+          </a:p>
+          <a:p>
+            <a:r>
+              <a:rPr lang="en-US" dirty="0" err="1"/>
+              <a:t>Miniconda</a:t>
+            </a:r>
+            <a:endParaRPr lang="en-US" dirty="0"/>
+          </a:p>
+          <a:p>
+            <a:pPr lvl="1"/>
+            <a:r>
+              <a:rPr lang="en-US" dirty="0"/>
+              <a:t>Stripped down version of </a:t>
+            </a:r>
+            <a:r>
+              <a:rPr lang="en-US" dirty="0" err="1"/>
+              <a:t>Conda</a:t>
+            </a:r>
+            <a:r>
+              <a:rPr lang="en-US" dirty="0"/>
+              <a:t>, basics only</a:t>
+            </a:r>
+          </a:p>
+          <a:p>
+            <a:pPr lvl="2"/>
+            <a:r>
+              <a:rPr lang="en-US" dirty="0"/>
+              <a:t>Good for the cluster</a:t>
+            </a:r>
+          </a:p>
+          <a:p>
+            <a:pPr lvl="1"/>
+            <a:r>
+              <a:rPr lang="en-US" dirty="0"/>
+              <a:t>Download: </a:t>
+            </a:r>
+            <a:r>
+              <a:rPr lang="en-US" dirty="0" err="1">
+                <a:solidFill>
+                  <a:srgbClr val="FF0000"/>
+                </a:solidFill>
+              </a:rPr>
+              <a:t>wget</a:t>
+            </a:r>
+            <a:r>
+              <a:rPr lang="en-US" dirty="0">
+                <a:solidFill>
+                  <a:srgbClr val="FF0000"/>
+                </a:solidFill>
+              </a:rPr>
+              <a:t> </a:t>
+            </a:r>
+            <a:r>
+              <a:rPr lang="en-US" dirty="0">
+                <a:solidFill>
+                  <a:srgbClr val="0563C1"/>
+                </a:solidFill>
+                <a:hlinkClick r:id="rId3">
+                  <a:extLst>
+                    <a:ext uri="{A12FA001-AC4F-418D-AE19-62706E023703}">
+                      <ahyp:hlinkClr xmlns:ahyp="http://schemas.microsoft.com/office/drawing/2018/hyperlinkcolor" val="tx"/>
+                    </a:ext>
+                  </a:extLst>
+                </a:hlinkClick>
+              </a:rPr>
+              <a:t>https://repo.anaconda.com/miniconda/Miniconda3-latest-Linux-x86_64.</a:t>
+            </a:r>
+            <a:r>
+              <a:rPr lang="en-US" dirty="0">
+                <a:solidFill>
+                  <a:srgbClr val="FF0000"/>
+                </a:solidFill>
+                <a:hlinkClick r:id="rId3">
+                  <a:extLst>
+                    <a:ext uri="{A12FA001-AC4F-418D-AE19-62706E023703}">
+                      <ahyp:hlinkClr xmlns:ahyp="http://schemas.microsoft.com/office/drawing/2018/hyperlinkcolor" val="tx"/>
+                    </a:ext>
+                  </a:extLst>
+                </a:hlinkClick>
+              </a:rPr>
+              <a:t>sh</a:t>
+            </a:r>
+            <a:endParaRPr lang="en-US" dirty="0">
+              <a:solidFill>
+                <a:srgbClr val="FF0000"/>
+              </a:solidFill>
+            </a:endParaRPr>
+          </a:p>
+          <a:p>
+            <a:pPr lvl="1"/>
+            <a:r>
+              <a:rPr lang="en-US" dirty="0"/>
+              <a:t>Install: </a:t>
+            </a:r>
+            <a:r>
+              <a:rPr lang="en-US" dirty="0">
+                <a:solidFill>
+                  <a:srgbClr val="FF0000"/>
+                </a:solidFill>
+              </a:rPr>
+              <a:t>bash Miniconda3-latest-Linux-x86_64.sh</a:t>
+            </a:r>
+          </a:p>
+        </p:txBody>
+      </p:sp>
+    </p:spTree>
+    <p:extLst>
+      <p:ext uri="{BB962C8B-B14F-4D97-AF65-F5344CB8AC3E}">
+        <p14:creationId xmlns:p14="http://schemas.microsoft.com/office/powerpoint/2010/main" val="4029259220"/>
+      </p:ext>
+    </p:extLst>
+  </p:cSld>
+  <p:clrMapOvr>
+    <a:masterClrMapping/>
+  </p:clrMapOvr>
+</p:sld>
+</file>
+
+<file path=ppt/slides/slide17.xml><?xml version="1.0" encoding="utf-8"?>
+<p:sld xmlns:a="http://schemas.openxmlformats.org/drawingml/2006/main" xmlns:r="http://schemas.openxmlformats.org/officeDocument/2006/relationships" xmlns:p="http://schemas.openxmlformats.org/presentationml/2006/main">
+  <p:cSld>
+    <p:spTree>
+      <p:nvGrpSpPr>
+        <p:cNvPr id="1" name=""/>
+        <p:cNvGrpSpPr/>
+        <p:nvPr/>
+      </p:nvGrpSpPr>
+      <p:grpSpPr>
+        <a:xfrm>
+          <a:off x="0" y="0"/>
+          <a:ext cx="0" cy="0"/>
+          <a:chOff x="0" y="0"/>
+          <a:chExt cx="0" cy="0"/>
+        </a:xfrm>
+      </p:grpSpPr>
+      <p:sp>
+        <p:nvSpPr>
+          <p:cNvPr id="2" name="Title 1">
+            <a:extLst>
+              <a:ext uri="{FF2B5EF4-FFF2-40B4-BE49-F238E27FC236}">
+                <a16:creationId xmlns:a16="http://schemas.microsoft.com/office/drawing/2014/main" id="{EF143DB6-2B8E-FAA6-D5BE-E45694F103DF}"/>
+              </a:ext>
+            </a:extLst>
+          </p:cNvPr>
+          <p:cNvSpPr>
+            <a:spLocks noGrp="1"/>
+          </p:cNvSpPr>
+          <p:nvPr>
+            <p:ph type="title"/>
+          </p:nvPr>
+        </p:nvSpPr>
+        <p:spPr/>
+        <p:txBody>
+          <a:bodyPr/>
+          <a:lstStyle/>
+          <a:p>
+            <a:r>
+              <a:rPr lang="en-US" dirty="0"/>
+              <a:t>Installing Software - </a:t>
+            </a:r>
+            <a:r>
+              <a:rPr lang="en-US" dirty="0" err="1"/>
+              <a:t>Conda</a:t>
+            </a:r>
+            <a:endParaRPr lang="en-US" dirty="0"/>
+          </a:p>
+        </p:txBody>
+      </p:sp>
+      <p:sp>
+        <p:nvSpPr>
+          <p:cNvPr id="3" name="Content Placeholder 2">
+            <a:extLst>
+              <a:ext uri="{FF2B5EF4-FFF2-40B4-BE49-F238E27FC236}">
+                <a16:creationId xmlns:a16="http://schemas.microsoft.com/office/drawing/2014/main" id="{451C78D1-4E0E-5ACE-ED98-8B3FD2C0E21B}"/>
+              </a:ext>
+            </a:extLst>
+          </p:cNvPr>
+          <p:cNvSpPr>
+            <a:spLocks noGrp="1"/>
+          </p:cNvSpPr>
+          <p:nvPr>
+            <p:ph idx="1"/>
+          </p:nvPr>
+        </p:nvSpPr>
+        <p:spPr>
+          <a:xfrm>
             <a:off x="838200" y="1544320"/>
             <a:ext cx="10515600" cy="5140959"/>
           </a:xfrm>
@@ -6636,7 +6908,7 @@
 </p:sld>
 </file>
 
-<file path=ppt/slides/slide17.xml><?xml version="1.0" encoding="utf-8"?>
+<file path=ppt/slides/slide18.xml><?xml version="1.0" encoding="utf-8"?>
 <p:sld xmlns:a="http://schemas.openxmlformats.org/drawingml/2006/main" xmlns:r="http://schemas.openxmlformats.org/officeDocument/2006/relationships" xmlns:p="http://schemas.openxmlformats.org/presentationml/2006/main">
   <p:cSld>
     <p:spTree>
@@ -6835,7 +7107,7 @@
 </p:sld>
 </file>
 
-<file path=ppt/slides/slide18.xml><?xml version="1.0" encoding="utf-8"?>
+<file path=ppt/slides/slide19.xml><?xml version="1.0" encoding="utf-8"?>
 <p:sld xmlns:a="http://schemas.openxmlformats.org/drawingml/2006/main" xmlns:r="http://schemas.openxmlformats.org/officeDocument/2006/relationships" xmlns:p="http://schemas.openxmlformats.org/presentationml/2006/main">
   <p:cSld>
     <p:spTree>
@@ -7209,7 +7481,65 @@
 </p:sld>
 </file>
 
-<file path=ppt/slides/slide19.xml><?xml version="1.0" encoding="utf-8"?>
+<file path=ppt/slides/slide2.xml><?xml version="1.0" encoding="utf-8"?>
+<p:sld xmlns:a="http://schemas.openxmlformats.org/drawingml/2006/main" xmlns:r="http://schemas.openxmlformats.org/officeDocument/2006/relationships" xmlns:p="http://schemas.openxmlformats.org/presentationml/2006/main">
+  <p:cSld>
+    <p:spTree>
+      <p:nvGrpSpPr>
+        <p:cNvPr id="1" name=""/>
+        <p:cNvGrpSpPr/>
+        <p:nvPr/>
+      </p:nvGrpSpPr>
+      <p:grpSpPr>
+        <a:xfrm>
+          <a:off x="0" y="0"/>
+          <a:ext cx="0" cy="0"/>
+          <a:chOff x="0" y="0"/>
+          <a:chExt cx="0" cy="0"/>
+        </a:xfrm>
+      </p:grpSpPr>
+      <p:sp>
+        <p:nvSpPr>
+          <p:cNvPr id="2" name="Title 1">
+            <a:extLst>
+              <a:ext uri="{FF2B5EF4-FFF2-40B4-BE49-F238E27FC236}">
+                <a16:creationId xmlns:a16="http://schemas.microsoft.com/office/drawing/2014/main" id="{8086BB20-548B-595B-E512-5A615B471CF7}"/>
+              </a:ext>
+            </a:extLst>
+          </p:cNvPr>
+          <p:cNvSpPr>
+            <a:spLocks noGrp="1"/>
+          </p:cNvSpPr>
+          <p:nvPr>
+            <p:ph type="title"/>
+          </p:nvPr>
+        </p:nvSpPr>
+        <p:spPr/>
+        <p:txBody>
+          <a:bodyPr/>
+          <a:lstStyle/>
+          <a:p>
+            <a:r>
+              <a:rPr lang="en-US" dirty="0"/>
+              <a:t>Unix &amp; The Command Line</a:t>
+            </a:r>
+          </a:p>
+        </p:txBody>
+      </p:sp>
+    </p:spTree>
+    <p:extLst>
+      <p:ext uri="{BB962C8B-B14F-4D97-AF65-F5344CB8AC3E}">
+        <p14:creationId xmlns:p14="http://schemas.microsoft.com/office/powerpoint/2010/main" val="1119975433"/>
+      </p:ext>
+    </p:extLst>
+  </p:cSld>
+  <p:clrMapOvr>
+    <a:masterClrMapping/>
+  </p:clrMapOvr>
+</p:sld>
+</file>
+
+<file path=ppt/slides/slide20.xml><?xml version="1.0" encoding="utf-8"?>
 <p:sld xmlns:a="http://schemas.openxmlformats.org/drawingml/2006/main" xmlns:r="http://schemas.openxmlformats.org/officeDocument/2006/relationships" xmlns:p="http://schemas.openxmlformats.org/presentationml/2006/main">
   <p:cSld>
     <p:spTree>
@@ -7428,122 +7758,6 @@
 </p:sld>
 </file>
 
-<file path=ppt/slides/slide2.xml><?xml version="1.0" encoding="utf-8"?>
-<p:sld xmlns:a="http://schemas.openxmlformats.org/drawingml/2006/main" xmlns:r="http://schemas.openxmlformats.org/officeDocument/2006/relationships" xmlns:p="http://schemas.openxmlformats.org/presentationml/2006/main">
-  <p:cSld>
-    <p:spTree>
-      <p:nvGrpSpPr>
-        <p:cNvPr id="1" name=""/>
-        <p:cNvGrpSpPr/>
-        <p:nvPr/>
-      </p:nvGrpSpPr>
-      <p:grpSpPr>
-        <a:xfrm>
-          <a:off x="0" y="0"/>
-          <a:ext cx="0" cy="0"/>
-          <a:chOff x="0" y="0"/>
-          <a:chExt cx="0" cy="0"/>
-        </a:xfrm>
-      </p:grpSpPr>
-      <p:sp>
-        <p:nvSpPr>
-          <p:cNvPr id="2" name="Title 1">
-            <a:extLst>
-              <a:ext uri="{FF2B5EF4-FFF2-40B4-BE49-F238E27FC236}">
-                <a16:creationId xmlns:a16="http://schemas.microsoft.com/office/drawing/2014/main" id="{8086BB20-548B-595B-E512-5A615B471CF7}"/>
-              </a:ext>
-            </a:extLst>
-          </p:cNvPr>
-          <p:cNvSpPr>
-            <a:spLocks noGrp="1"/>
-          </p:cNvSpPr>
-          <p:nvPr>
-            <p:ph type="title"/>
-          </p:nvPr>
-        </p:nvSpPr>
-        <p:spPr/>
-        <p:txBody>
-          <a:bodyPr/>
-          <a:lstStyle/>
-          <a:p>
-            <a:r>
-              <a:rPr lang="en-US" dirty="0"/>
-              <a:t>Unix &amp; The Command Line</a:t>
-            </a:r>
-          </a:p>
-        </p:txBody>
-      </p:sp>
-    </p:spTree>
-    <p:extLst>
-      <p:ext uri="{BB962C8B-B14F-4D97-AF65-F5344CB8AC3E}">
-        <p14:creationId xmlns:p14="http://schemas.microsoft.com/office/powerpoint/2010/main" val="1119975433"/>
-      </p:ext>
-    </p:extLst>
-  </p:cSld>
-  <p:clrMapOvr>
-    <a:masterClrMapping/>
-  </p:clrMapOvr>
-</p:sld>
-</file>
-
-<file path=ppt/slides/slide20.xml><?xml version="1.0" encoding="utf-8"?>
-<p:sld xmlns:a="http://schemas.openxmlformats.org/drawingml/2006/main" xmlns:r="http://schemas.openxmlformats.org/officeDocument/2006/relationships" xmlns:p="http://schemas.openxmlformats.org/presentationml/2006/main">
-  <p:cSld>
-    <p:spTree>
-      <p:nvGrpSpPr>
-        <p:cNvPr id="1" name=""/>
-        <p:cNvGrpSpPr/>
-        <p:nvPr/>
-      </p:nvGrpSpPr>
-      <p:grpSpPr>
-        <a:xfrm>
-          <a:off x="0" y="0"/>
-          <a:ext cx="0" cy="0"/>
-          <a:chOff x="0" y="0"/>
-          <a:chExt cx="0" cy="0"/>
-        </a:xfrm>
-      </p:grpSpPr>
-      <p:sp>
-        <p:nvSpPr>
-          <p:cNvPr id="2" name="Title 1">
-            <a:extLst>
-              <a:ext uri="{FF2B5EF4-FFF2-40B4-BE49-F238E27FC236}">
-                <a16:creationId xmlns:a16="http://schemas.microsoft.com/office/drawing/2014/main" id="{8086BB20-548B-595B-E512-5A615B471CF7}"/>
-              </a:ext>
-            </a:extLst>
-          </p:cNvPr>
-          <p:cNvSpPr>
-            <a:spLocks noGrp="1"/>
-          </p:cNvSpPr>
-          <p:nvPr>
-            <p:ph type="title"/>
-          </p:nvPr>
-        </p:nvSpPr>
-        <p:spPr/>
-        <p:txBody>
-          <a:bodyPr/>
-          <a:lstStyle/>
-          <a:p>
-            <a:r>
-              <a:rPr lang="en-US" dirty="0"/>
-              <a:t>Data Reproducibility</a:t>
-            </a:r>
-          </a:p>
-        </p:txBody>
-      </p:sp>
-    </p:spTree>
-    <p:extLst>
-      <p:ext uri="{BB962C8B-B14F-4D97-AF65-F5344CB8AC3E}">
-        <p14:creationId xmlns:p14="http://schemas.microsoft.com/office/powerpoint/2010/main" val="598981761"/>
-      </p:ext>
-    </p:extLst>
-  </p:cSld>
-  <p:clrMapOvr>
-    <a:masterClrMapping/>
-  </p:clrMapOvr>
-</p:sld>
-</file>
-
 <file path=ppt/slides/slide21.xml><?xml version="1.0" encoding="utf-8"?>
 <p:sld xmlns:a="http://schemas.openxmlformats.org/drawingml/2006/main" xmlns:r="http://schemas.openxmlformats.org/officeDocument/2006/relationships" xmlns:p="http://schemas.openxmlformats.org/presentationml/2006/main">
   <p:cSld>
@@ -7566,7 +7780,7 @@
           <p:cNvPr id="2" name="Title 1">
             <a:extLst>
               <a:ext uri="{FF2B5EF4-FFF2-40B4-BE49-F238E27FC236}">
-                <a16:creationId xmlns:a16="http://schemas.microsoft.com/office/drawing/2014/main" id="{EF143DB6-2B8E-FAA6-D5BE-E45694F103DF}"/>
+                <a16:creationId xmlns:a16="http://schemas.microsoft.com/office/drawing/2014/main" id="{8086BB20-548B-595B-E512-5A615B471CF7}"/>
               </a:ext>
             </a:extLst>
           </p:cNvPr>
@@ -7584,170 +7798,15 @@
           <a:p>
             <a:r>
               <a:rPr lang="en-US" dirty="0"/>
-              <a:t>Reproducible Research in Genomics</a:t>
-            </a:r>
-          </a:p>
-        </p:txBody>
-      </p:sp>
-      <p:sp>
-        <p:nvSpPr>
-          <p:cNvPr id="3" name="Content Placeholder 2">
-            <a:extLst>
-              <a:ext uri="{FF2B5EF4-FFF2-40B4-BE49-F238E27FC236}">
-                <a16:creationId xmlns:a16="http://schemas.microsoft.com/office/drawing/2014/main" id="{451C78D1-4E0E-5ACE-ED98-8B3FD2C0E21B}"/>
-              </a:ext>
-            </a:extLst>
-          </p:cNvPr>
-          <p:cNvSpPr>
-            <a:spLocks noGrp="1"/>
-          </p:cNvSpPr>
-          <p:nvPr>
-            <p:ph idx="1"/>
-          </p:nvPr>
-        </p:nvSpPr>
-        <p:spPr>
-          <a:xfrm>
-            <a:off x="838200" y="1690688"/>
-            <a:ext cx="10515600" cy="4943791"/>
-          </a:xfrm>
-        </p:spPr>
-        <p:txBody>
-          <a:bodyPr>
-            <a:normAutofit fontScale="85000" lnSpcReduction="20000"/>
-          </a:bodyPr>
-          <a:lstStyle/>
-          <a:p>
-            <a:r>
-              <a:rPr lang="en-US" dirty="0"/>
-              <a:t>Metadata</a:t>
-            </a:r>
-          </a:p>
-          <a:p>
-            <a:pPr lvl="1"/>
-            <a:r>
-              <a:rPr lang="en-US" dirty="0"/>
-              <a:t>All relevant details about the data</a:t>
-            </a:r>
-          </a:p>
-          <a:p>
-            <a:pPr lvl="1"/>
-            <a:r>
-              <a:rPr lang="en-US" dirty="0"/>
-              <a:t>More details the better</a:t>
-            </a:r>
-          </a:p>
-          <a:p>
-            <a:r>
-              <a:rPr lang="en-US" dirty="0"/>
-              <a:t>Make Code &amp; Software Available</a:t>
-            </a:r>
-          </a:p>
-          <a:p>
-            <a:pPr lvl="1"/>
-            <a:r>
-              <a:rPr lang="en-US" dirty="0"/>
-              <a:t>Software Version</a:t>
-            </a:r>
-          </a:p>
-          <a:p>
-            <a:pPr lvl="1"/>
-            <a:r>
-              <a:rPr lang="en-US" dirty="0"/>
-              <a:t>Arguments and Parameters Used</a:t>
-            </a:r>
-          </a:p>
-          <a:p>
-            <a:pPr lvl="1"/>
-            <a:r>
-              <a:rPr lang="en-US" dirty="0"/>
-              <a:t>Share environment (e.g. </a:t>
-            </a:r>
-            <a:r>
-              <a:rPr lang="en-US" dirty="0" err="1"/>
-              <a:t>conda</a:t>
-            </a:r>
-            <a:r>
-              <a:rPr lang="en-US" dirty="0"/>
-              <a:t> </a:t>
-            </a:r>
-            <a:r>
-              <a:rPr lang="en-US" dirty="0" err="1"/>
-              <a:t>envs</a:t>
-            </a:r>
-            <a:r>
-              <a:rPr lang="en-US" dirty="0"/>
-              <a:t>) if possible</a:t>
-            </a:r>
-          </a:p>
-          <a:p>
-            <a:r>
-              <a:rPr lang="en-US" dirty="0"/>
-              <a:t>Raw Data</a:t>
-            </a:r>
-          </a:p>
-          <a:p>
-            <a:pPr lvl="1"/>
-            <a:r>
-              <a:rPr lang="en-US" dirty="0"/>
-              <a:t>Processed data may propagate errors</a:t>
-            </a:r>
-          </a:p>
-          <a:p>
-            <a:pPr lvl="1"/>
-            <a:r>
-              <a:rPr lang="en-US" dirty="0"/>
-              <a:t>Enables new research questions to be addressed</a:t>
-            </a:r>
-          </a:p>
-          <a:p>
-            <a:pPr lvl="1"/>
-            <a:r>
-              <a:rPr lang="en-US" dirty="0"/>
-              <a:t>Permits new methods to be used on old data</a:t>
-            </a:r>
-          </a:p>
-          <a:p>
-            <a:r>
-              <a:rPr lang="en-US" dirty="0"/>
-              <a:t>Long-term Storage and Distribution</a:t>
-            </a:r>
-          </a:p>
-          <a:p>
-            <a:pPr lvl="1"/>
-            <a:r>
-              <a:rPr lang="en-US" dirty="0"/>
-              <a:t>NCBI &amp; Genomics Databases</a:t>
-            </a:r>
-          </a:p>
-          <a:p>
-            <a:pPr lvl="1"/>
-            <a:r>
-              <a:rPr lang="en-US" dirty="0"/>
-              <a:t>Supplementary Data</a:t>
-            </a:r>
-          </a:p>
-          <a:p>
-            <a:pPr lvl="1"/>
-            <a:r>
-              <a:rPr lang="en-US" dirty="0" err="1"/>
-              <a:t>Github</a:t>
-            </a:r>
-            <a:r>
-              <a:rPr lang="en-US" dirty="0"/>
-              <a:t>, Bitbucket, </a:t>
-            </a:r>
-            <a:r>
-              <a:rPr lang="en-US" dirty="0" err="1"/>
-              <a:t>etc</a:t>
-            </a:r>
-            <a:endParaRPr lang="en-US" dirty="0"/>
+              <a:t>Data Reproducibility</a:t>
+            </a:r>
           </a:p>
         </p:txBody>
       </p:sp>
     </p:spTree>
     <p:extLst>
       <p:ext uri="{BB962C8B-B14F-4D97-AF65-F5344CB8AC3E}">
-        <p14:creationId xmlns:p14="http://schemas.microsoft.com/office/powerpoint/2010/main" val="702464004"/>
+        <p14:creationId xmlns:p14="http://schemas.microsoft.com/office/powerpoint/2010/main" val="598981761"/>
       </p:ext>
     </p:extLst>
   </p:cSld>
@@ -7796,6 +7855,219 @@
           <a:lstStyle/>
           <a:p>
             <a:r>
+              <a:rPr lang="en-US" dirty="0"/>
+              <a:t>Reproducible Research in Genomics</a:t>
+            </a:r>
+          </a:p>
+        </p:txBody>
+      </p:sp>
+      <p:sp>
+        <p:nvSpPr>
+          <p:cNvPr id="3" name="Content Placeholder 2">
+            <a:extLst>
+              <a:ext uri="{FF2B5EF4-FFF2-40B4-BE49-F238E27FC236}">
+                <a16:creationId xmlns:a16="http://schemas.microsoft.com/office/drawing/2014/main" id="{451C78D1-4E0E-5ACE-ED98-8B3FD2C0E21B}"/>
+              </a:ext>
+            </a:extLst>
+          </p:cNvPr>
+          <p:cNvSpPr>
+            <a:spLocks noGrp="1"/>
+          </p:cNvSpPr>
+          <p:nvPr>
+            <p:ph idx="1"/>
+          </p:nvPr>
+        </p:nvSpPr>
+        <p:spPr>
+          <a:xfrm>
+            <a:off x="838200" y="1690688"/>
+            <a:ext cx="10515600" cy="4943791"/>
+          </a:xfrm>
+        </p:spPr>
+        <p:txBody>
+          <a:bodyPr>
+            <a:normAutofit fontScale="85000" lnSpcReduction="20000"/>
+          </a:bodyPr>
+          <a:lstStyle/>
+          <a:p>
+            <a:r>
+              <a:rPr lang="en-US" dirty="0"/>
+              <a:t>Metadata</a:t>
+            </a:r>
+          </a:p>
+          <a:p>
+            <a:pPr lvl="1"/>
+            <a:r>
+              <a:rPr lang="en-US" dirty="0"/>
+              <a:t>All relevant details about the data</a:t>
+            </a:r>
+          </a:p>
+          <a:p>
+            <a:pPr lvl="1"/>
+            <a:r>
+              <a:rPr lang="en-US" dirty="0"/>
+              <a:t>More details the better</a:t>
+            </a:r>
+          </a:p>
+          <a:p>
+            <a:r>
+              <a:rPr lang="en-US" dirty="0"/>
+              <a:t>Make Code &amp; Software Available</a:t>
+            </a:r>
+          </a:p>
+          <a:p>
+            <a:pPr lvl="1"/>
+            <a:r>
+              <a:rPr lang="en-US" dirty="0"/>
+              <a:t>Software Version</a:t>
+            </a:r>
+          </a:p>
+          <a:p>
+            <a:pPr lvl="1"/>
+            <a:r>
+              <a:rPr lang="en-US" dirty="0"/>
+              <a:t>Arguments and Parameters Used</a:t>
+            </a:r>
+          </a:p>
+          <a:p>
+            <a:pPr lvl="1"/>
+            <a:r>
+              <a:rPr lang="en-US" dirty="0"/>
+              <a:t>Share environment (e.g. </a:t>
+            </a:r>
+            <a:r>
+              <a:rPr lang="en-US" dirty="0" err="1"/>
+              <a:t>conda</a:t>
+            </a:r>
+            <a:r>
+              <a:rPr lang="en-US" dirty="0"/>
+              <a:t> </a:t>
+            </a:r>
+            <a:r>
+              <a:rPr lang="en-US" dirty="0" err="1"/>
+              <a:t>envs</a:t>
+            </a:r>
+            <a:r>
+              <a:rPr lang="en-US" dirty="0"/>
+              <a:t>) if possible</a:t>
+            </a:r>
+          </a:p>
+          <a:p>
+            <a:r>
+              <a:rPr lang="en-US" dirty="0"/>
+              <a:t>Raw Data</a:t>
+            </a:r>
+          </a:p>
+          <a:p>
+            <a:pPr lvl="1"/>
+            <a:r>
+              <a:rPr lang="en-US" dirty="0"/>
+              <a:t>Processed data may propagate errors</a:t>
+            </a:r>
+          </a:p>
+          <a:p>
+            <a:pPr lvl="1"/>
+            <a:r>
+              <a:rPr lang="en-US" dirty="0"/>
+              <a:t>Enables new research questions to be addressed</a:t>
+            </a:r>
+          </a:p>
+          <a:p>
+            <a:pPr lvl="1"/>
+            <a:r>
+              <a:rPr lang="en-US" dirty="0"/>
+              <a:t>Permits new methods to be used on old data</a:t>
+            </a:r>
+          </a:p>
+          <a:p>
+            <a:r>
+              <a:rPr lang="en-US" dirty="0"/>
+              <a:t>Long-term Storage and Distribution</a:t>
+            </a:r>
+          </a:p>
+          <a:p>
+            <a:pPr lvl="1"/>
+            <a:r>
+              <a:rPr lang="en-US" dirty="0"/>
+              <a:t>NCBI &amp; Genomics Databases</a:t>
+            </a:r>
+          </a:p>
+          <a:p>
+            <a:pPr lvl="1"/>
+            <a:r>
+              <a:rPr lang="en-US" dirty="0"/>
+              <a:t>Supplementary Data</a:t>
+            </a:r>
+          </a:p>
+          <a:p>
+            <a:pPr lvl="1"/>
+            <a:r>
+              <a:rPr lang="en-US" dirty="0" err="1"/>
+              <a:t>Github</a:t>
+            </a:r>
+            <a:r>
+              <a:rPr lang="en-US" dirty="0"/>
+              <a:t>, Bitbucket, </a:t>
+            </a:r>
+            <a:r>
+              <a:rPr lang="en-US" dirty="0" err="1"/>
+              <a:t>etc</a:t>
+            </a:r>
+            <a:endParaRPr lang="en-US" dirty="0"/>
+          </a:p>
+        </p:txBody>
+      </p:sp>
+    </p:spTree>
+    <p:extLst>
+      <p:ext uri="{BB962C8B-B14F-4D97-AF65-F5344CB8AC3E}">
+        <p14:creationId xmlns:p14="http://schemas.microsoft.com/office/powerpoint/2010/main" val="702464004"/>
+      </p:ext>
+    </p:extLst>
+  </p:cSld>
+  <p:clrMapOvr>
+    <a:masterClrMapping/>
+  </p:clrMapOvr>
+</p:sld>
+</file>
+
+<file path=ppt/slides/slide23.xml><?xml version="1.0" encoding="utf-8"?>
+<p:sld xmlns:a="http://schemas.openxmlformats.org/drawingml/2006/main" xmlns:r="http://schemas.openxmlformats.org/officeDocument/2006/relationships" xmlns:p="http://schemas.openxmlformats.org/presentationml/2006/main">
+  <p:cSld>
+    <p:spTree>
+      <p:nvGrpSpPr>
+        <p:cNvPr id="1" name=""/>
+        <p:cNvGrpSpPr/>
+        <p:nvPr/>
+      </p:nvGrpSpPr>
+      <p:grpSpPr>
+        <a:xfrm>
+          <a:off x="0" y="0"/>
+          <a:ext cx="0" cy="0"/>
+          <a:chOff x="0" y="0"/>
+          <a:chExt cx="0" cy="0"/>
+        </a:xfrm>
+      </p:grpSpPr>
+      <p:sp>
+        <p:nvSpPr>
+          <p:cNvPr id="2" name="Title 1">
+            <a:extLst>
+              <a:ext uri="{FF2B5EF4-FFF2-40B4-BE49-F238E27FC236}">
+                <a16:creationId xmlns:a16="http://schemas.microsoft.com/office/drawing/2014/main" id="{EF143DB6-2B8E-FAA6-D5BE-E45694F103DF}"/>
+              </a:ext>
+            </a:extLst>
+          </p:cNvPr>
+          <p:cNvSpPr>
+            <a:spLocks noGrp="1"/>
+          </p:cNvSpPr>
+          <p:nvPr>
+            <p:ph type="title"/>
+          </p:nvPr>
+        </p:nvSpPr>
+        <p:spPr/>
+        <p:txBody>
+          <a:bodyPr/>
+          <a:lstStyle/>
+          <a:p>
+            <a:r>
               <a:rPr lang="en-US" dirty="0" err="1"/>
               <a:t>Github</a:t>
             </a:r>
@@ -7918,7 +8190,7 @@
 </p:sld>
 </file>
 
-<file path=ppt/slides/slide23.xml><?xml version="1.0" encoding="utf-8"?>
+<file path=ppt/slides/slide24.xml><?xml version="1.0" encoding="utf-8"?>
 <p:sld xmlns:a="http://schemas.openxmlformats.org/drawingml/2006/main" xmlns:r="http://schemas.openxmlformats.org/officeDocument/2006/relationships" xmlns:p="http://schemas.openxmlformats.org/presentationml/2006/main">
   <p:cSld>
     <p:spTree>
